--- a/18-data-visualization/Contenido Semana 2/5.4. Presentación - Gráfico de Burbujas.pptx
+++ b/18-data-visualization/Contenido Semana 2/5.4. Presentación - Gráfico de Burbujas.pptx
@@ -5,36 +5,38 @@
     <p:sldMasterId id="2147483670" r:id="rId1"/>
   </p:sldMasterIdLst>
   <p:notesMasterIdLst>
-    <p:notesMasterId r:id="rId5"/>
+    <p:notesMasterId r:id="rId7"/>
   </p:notesMasterIdLst>
   <p:sldIdLst>
     <p:sldId id="282" r:id="rId2"/>
-    <p:sldId id="284" r:id="rId3"/>
-    <p:sldId id="283" r:id="rId4"/>
+    <p:sldId id="285" r:id="rId3"/>
+    <p:sldId id="286" r:id="rId4"/>
+    <p:sldId id="287" r:id="rId5"/>
+    <p:sldId id="288" r:id="rId6"/>
   </p:sldIdLst>
   <p:sldSz cx="9144000" cy="6858000" type="screen4x3"/>
   <p:notesSz cx="6858000" cy="9144000"/>
   <p:embeddedFontLst>
     <p:embeddedFont>
-      <p:font typeface="Calibri" panose="020F0502020204030204" pitchFamily="34" charset="0"/>
-      <p:regular r:id="rId6"/>
-      <p:bold r:id="rId7"/>
-      <p:italic r:id="rId8"/>
-      <p:boldItalic r:id="rId9"/>
-    </p:embeddedFont>
-    <p:embeddedFont>
       <p:font typeface="Raleway" panose="020B0604020202020204" charset="0"/>
-      <p:regular r:id="rId10"/>
-      <p:bold r:id="rId11"/>
-      <p:italic r:id="rId12"/>
-      <p:boldItalic r:id="rId13"/>
+      <p:regular r:id="rId8"/>
+      <p:bold r:id="rId9"/>
+      <p:italic r:id="rId10"/>
+      <p:boldItalic r:id="rId11"/>
     </p:embeddedFont>
     <p:embeddedFont>
       <p:font typeface="Montserrat" panose="020B0604020202020204" charset="0"/>
-      <p:regular r:id="rId14"/>
-      <p:bold r:id="rId15"/>
-      <p:italic r:id="rId16"/>
-      <p:boldItalic r:id="rId17"/>
+      <p:regular r:id="rId12"/>
+      <p:bold r:id="rId13"/>
+      <p:italic r:id="rId14"/>
+      <p:boldItalic r:id="rId15"/>
+    </p:embeddedFont>
+    <p:embeddedFont>
+      <p:font typeface="Calibri" panose="020F0502020204030204" pitchFamily="34" charset="0"/>
+      <p:regular r:id="rId16"/>
+      <p:bold r:id="rId17"/>
+      <p:italic r:id="rId18"/>
+      <p:boldItalic r:id="rId19"/>
     </p:embeddedFont>
   </p:embeddedFontLst>
   <p:defaultTextStyle>
@@ -1271,7 +1273,7 @@
               </a:spcBef>
               <a:buNone/>
             </a:pPr>
-            <a:endParaRPr/>
+            <a:endParaRPr dirty="0"/>
           </a:p>
         </p:txBody>
       </p:sp>
@@ -1319,7 +1321,7 @@
     </p:spTree>
     <p:extLst>
       <p:ext uri="{BB962C8B-B14F-4D97-AF65-F5344CB8AC3E}">
-        <p14:creationId xmlns:p14="http://schemas.microsoft.com/office/powerpoint/2010/main" val="3012716571"/>
+        <p14:creationId xmlns:p14="http://schemas.microsoft.com/office/powerpoint/2010/main" val="2831257708"/>
       </p:ext>
     </p:extLst>
   </p:cSld>
@@ -1425,7 +1427,219 @@
     </p:spTree>
     <p:extLst>
       <p:ext uri="{BB962C8B-B14F-4D97-AF65-F5344CB8AC3E}">
-        <p14:creationId xmlns:p14="http://schemas.microsoft.com/office/powerpoint/2010/main" val="2401736586"/>
+        <p14:creationId xmlns:p14="http://schemas.microsoft.com/office/powerpoint/2010/main" val="526736761"/>
+      </p:ext>
+    </p:extLst>
+  </p:cSld>
+  <p:clrMapOvr>
+    <a:masterClrMapping/>
+  </p:clrMapOvr>
+</p:notes>
+</file>
+
+<file path=ppt/notesSlides/notesSlide4.xml><?xml version="1.0" encoding="utf-8"?>
+<p:notes xmlns:a="http://schemas.openxmlformats.org/drawingml/2006/main" xmlns:r="http://schemas.openxmlformats.org/officeDocument/2006/relationships" xmlns:p="http://schemas.openxmlformats.org/presentationml/2006/main" showMasterSp="0" showMasterPhAnim="0">
+  <p:cSld>
+    <p:spTree>
+      <p:nvGrpSpPr>
+        <p:cNvPr id="1" name="Shape 389"/>
+        <p:cNvGrpSpPr/>
+        <p:nvPr/>
+      </p:nvGrpSpPr>
+      <p:grpSpPr>
+        <a:xfrm>
+          <a:off x="0" y="0"/>
+          <a:ext cx="0" cy="0"/>
+          <a:chOff x="0" y="0"/>
+          <a:chExt cx="0" cy="0"/>
+        </a:xfrm>
+      </p:grpSpPr>
+      <p:sp>
+        <p:nvSpPr>
+          <p:cNvPr id="390" name="Shape 390"/>
+          <p:cNvSpPr txBox="1">
+            <a:spLocks noGrp="1"/>
+          </p:cNvSpPr>
+          <p:nvPr>
+            <p:ph type="body" idx="1"/>
+          </p:nvPr>
+        </p:nvSpPr>
+        <p:spPr>
+          <a:xfrm>
+            <a:off x="685800" y="4343400"/>
+            <a:ext cx="5486400" cy="4114800"/>
+          </a:xfrm>
+          <a:prstGeom prst="rect">
+            <a:avLst/>
+          </a:prstGeom>
+        </p:spPr>
+        <p:txBody>
+          <a:bodyPr lIns="91425" tIns="91425" rIns="91425" bIns="91425" anchor="t" anchorCtr="0">
+            <a:noAutofit/>
+          </a:bodyPr>
+          <a:lstStyle/>
+          <a:p>
+            <a:pPr lvl="0">
+              <a:spcBef>
+                <a:spcPts val="0"/>
+              </a:spcBef>
+              <a:buNone/>
+            </a:pPr>
+            <a:endParaRPr/>
+          </a:p>
+        </p:txBody>
+      </p:sp>
+      <p:sp>
+        <p:nvSpPr>
+          <p:cNvPr id="391" name="Shape 391"/>
+          <p:cNvSpPr>
+            <a:spLocks noGrp="1" noRot="1" noChangeAspect="1"/>
+          </p:cNvSpPr>
+          <p:nvPr>
+            <p:ph type="sldImg" idx="2"/>
+          </p:nvPr>
+        </p:nvSpPr>
+        <p:spPr>
+          <a:xfrm>
+            <a:off x="1143000" y="685800"/>
+            <a:ext cx="4572000" cy="3429000"/>
+          </a:xfrm>
+          <a:custGeom>
+            <a:avLst/>
+            <a:gdLst/>
+            <a:ahLst/>
+            <a:cxnLst/>
+            <a:rect l="0" t="0" r="0" b="0"/>
+            <a:pathLst>
+              <a:path w="120000" h="120000" extrusionOk="0">
+                <a:moveTo>
+                  <a:pt x="0" y="0"/>
+                </a:moveTo>
+                <a:lnTo>
+                  <a:pt x="120000" y="0"/>
+                </a:lnTo>
+                <a:lnTo>
+                  <a:pt x="120000" y="120000"/>
+                </a:lnTo>
+                <a:lnTo>
+                  <a:pt x="0" y="120000"/>
+                </a:lnTo>
+                <a:close/>
+              </a:path>
+            </a:pathLst>
+          </a:custGeom>
+        </p:spPr>
+      </p:sp>
+    </p:spTree>
+    <p:extLst>
+      <p:ext uri="{BB962C8B-B14F-4D97-AF65-F5344CB8AC3E}">
+        <p14:creationId xmlns:p14="http://schemas.microsoft.com/office/powerpoint/2010/main" val="1760744017"/>
+      </p:ext>
+    </p:extLst>
+  </p:cSld>
+  <p:clrMapOvr>
+    <a:masterClrMapping/>
+  </p:clrMapOvr>
+</p:notes>
+</file>
+
+<file path=ppt/notesSlides/notesSlide5.xml><?xml version="1.0" encoding="utf-8"?>
+<p:notes xmlns:a="http://schemas.openxmlformats.org/drawingml/2006/main" xmlns:r="http://schemas.openxmlformats.org/officeDocument/2006/relationships" xmlns:p="http://schemas.openxmlformats.org/presentationml/2006/main" showMasterSp="0" showMasterPhAnim="0">
+  <p:cSld>
+    <p:spTree>
+      <p:nvGrpSpPr>
+        <p:cNvPr id="1" name="Shape 389"/>
+        <p:cNvGrpSpPr/>
+        <p:nvPr/>
+      </p:nvGrpSpPr>
+      <p:grpSpPr>
+        <a:xfrm>
+          <a:off x="0" y="0"/>
+          <a:ext cx="0" cy="0"/>
+          <a:chOff x="0" y="0"/>
+          <a:chExt cx="0" cy="0"/>
+        </a:xfrm>
+      </p:grpSpPr>
+      <p:sp>
+        <p:nvSpPr>
+          <p:cNvPr id="390" name="Shape 390"/>
+          <p:cNvSpPr txBox="1">
+            <a:spLocks noGrp="1"/>
+          </p:cNvSpPr>
+          <p:nvPr>
+            <p:ph type="body" idx="1"/>
+          </p:nvPr>
+        </p:nvSpPr>
+        <p:spPr>
+          <a:xfrm>
+            <a:off x="685800" y="4343400"/>
+            <a:ext cx="5486400" cy="4114800"/>
+          </a:xfrm>
+          <a:prstGeom prst="rect">
+            <a:avLst/>
+          </a:prstGeom>
+        </p:spPr>
+        <p:txBody>
+          <a:bodyPr lIns="91425" tIns="91425" rIns="91425" bIns="91425" anchor="t" anchorCtr="0">
+            <a:noAutofit/>
+          </a:bodyPr>
+          <a:lstStyle/>
+          <a:p>
+            <a:pPr lvl="0">
+              <a:spcBef>
+                <a:spcPts val="0"/>
+              </a:spcBef>
+              <a:buNone/>
+            </a:pPr>
+            <a:endParaRPr/>
+          </a:p>
+        </p:txBody>
+      </p:sp>
+      <p:sp>
+        <p:nvSpPr>
+          <p:cNvPr id="391" name="Shape 391"/>
+          <p:cNvSpPr>
+            <a:spLocks noGrp="1" noRot="1" noChangeAspect="1"/>
+          </p:cNvSpPr>
+          <p:nvPr>
+            <p:ph type="sldImg" idx="2"/>
+          </p:nvPr>
+        </p:nvSpPr>
+        <p:spPr>
+          <a:xfrm>
+            <a:off x="1143000" y="685800"/>
+            <a:ext cx="4572000" cy="3429000"/>
+          </a:xfrm>
+          <a:custGeom>
+            <a:avLst/>
+            <a:gdLst/>
+            <a:ahLst/>
+            <a:cxnLst/>
+            <a:rect l="0" t="0" r="0" b="0"/>
+            <a:pathLst>
+              <a:path w="120000" h="120000" extrusionOk="0">
+                <a:moveTo>
+                  <a:pt x="0" y="0"/>
+                </a:moveTo>
+                <a:lnTo>
+                  <a:pt x="120000" y="0"/>
+                </a:lnTo>
+                <a:lnTo>
+                  <a:pt x="120000" y="120000"/>
+                </a:lnTo>
+                <a:lnTo>
+                  <a:pt x="0" y="120000"/>
+                </a:lnTo>
+                <a:close/>
+              </a:path>
+            </a:pathLst>
+          </a:custGeom>
+        </p:spPr>
+      </p:sp>
+    </p:spTree>
+    <p:extLst>
+      <p:ext uri="{BB962C8B-B14F-4D97-AF65-F5344CB8AC3E}">
+        <p14:creationId xmlns:p14="http://schemas.microsoft.com/office/powerpoint/2010/main" val="3680242126"/>
       </p:ext>
     </p:extLst>
   </p:cSld>
@@ -10143,7 +10357,7 @@
                 <a:cs typeface="Raleway"/>
                 <a:sym typeface="Raleway"/>
               </a:rPr>
-              <a:t>Lección 5.3. </a:t>
+              <a:t>Lección 5.4. </a:t>
             </a:r>
             <a:r>
               <a:rPr lang="es-VE" sz="2400" dirty="0">
@@ -10345,29 +10559,8 @@
                 <a:cs typeface="Montserrat"/>
                 <a:sym typeface="Montserrat"/>
               </a:rPr>
-              <a:t>.1 Gráfico </a:t>
+              <a:t>.4 Gráfico de Burbujas</a:t>
             </a:r>
-            <a:r>
-              <a:rPr lang="es-VE" sz="1200" i="0" u="none" strike="noStrike" cap="none">
-                <a:solidFill>
-                  <a:srgbClr val="F7B600"/>
-                </a:solidFill>
-                <a:latin typeface="Montserrat"/>
-                <a:ea typeface="Montserrat"/>
-                <a:cs typeface="Montserrat"/>
-                <a:sym typeface="Montserrat"/>
-              </a:rPr>
-              <a:t>de Columnas</a:t>
-            </a:r>
-            <a:endParaRPr lang="es-VE" sz="1200" i="0" u="none" strike="noStrike" cap="none" dirty="0">
-              <a:solidFill>
-                <a:srgbClr val="F7B600"/>
-              </a:solidFill>
-              <a:latin typeface="Montserrat"/>
-              <a:ea typeface="Montserrat"/>
-              <a:cs typeface="Montserrat"/>
-              <a:sym typeface="Montserrat"/>
-            </a:endParaRPr>
           </a:p>
         </p:txBody>
       </p:sp>
@@ -10468,8 +10661,8 @@
         </p:nvSpPr>
         <p:spPr>
           <a:xfrm>
-            <a:off x="4279769" y="1592655"/>
-            <a:ext cx="4731299" cy="3785652"/>
+            <a:off x="2875176" y="1592655"/>
+            <a:ext cx="6066150" cy="3170099"/>
           </a:xfrm>
           <a:prstGeom prst="rect">
             <a:avLst/>
@@ -10497,14 +10690,35 @@
             </a:endParaRPr>
           </a:p>
           <a:p>
+            <a:pPr algn="just"/>
+            <a:r>
+              <a:rPr lang="es-VE" sz="1200" b="1" dirty="0">
+                <a:latin typeface="Raleway" panose="020B0604020202020204" charset="0"/>
+              </a:rPr>
+              <a:t>NOTA: </a:t>
+            </a:r>
+            <a:r>
+              <a:rPr lang="es-VE" sz="1200" dirty="0">
+                <a:latin typeface="Raleway" panose="020B0604020202020204" charset="0"/>
+              </a:rPr>
+              <a:t>Los gráficos de burbujas suelen ser redondo como una burbuja, pero en este caso agruparemos los LEGO lo más cercano posible para dar la sensación de la burbuja. La forma perfecta del gráfico la hará el software.  </a:t>
+            </a:r>
+          </a:p>
+          <a:p>
+            <a:pPr algn="just"/>
+            <a:endParaRPr lang="es-VE" sz="1200" dirty="0">
+              <a:latin typeface="Raleway" panose="020B0604020202020204" charset="0"/>
+            </a:endParaRPr>
+          </a:p>
+          <a:p>
             <a:pPr marL="342900" indent="-342900" algn="just">
               <a:buAutoNum type="arabicPeriod"/>
             </a:pPr>
             <a:r>
-              <a:rPr lang="es-VE" sz="1600" dirty="0">
+              <a:rPr lang="es-VE" sz="1200" dirty="0">
                 <a:latin typeface="Raleway" panose="020B0604020202020204" charset="0"/>
               </a:rPr>
-              <a:t>Coloca en la base la cantidad de piezas verdes que está para cada año. Recuerda que cada año representa una columna nueva de nuestro gráfico de columnas, así que deberás colocar sólo una pieza verde como base de la primera columna, pero 2 piezas verdes para la segunda y así. </a:t>
+              <a:t>Comienza por la categoría que tiene más colores, en este caso el amarillo y organiza las piezas en un cuadrado. </a:t>
             </a:r>
           </a:p>
           <a:p>
@@ -10512,10 +10726,10 @@
               <a:buAutoNum type="arabicPeriod"/>
             </a:pPr>
             <a:r>
-              <a:rPr lang="es-VE" sz="1600" dirty="0">
+              <a:rPr lang="es-VE" sz="1200" dirty="0">
                 <a:latin typeface="Raleway" panose="020B0604020202020204" charset="0"/>
               </a:rPr>
-              <a:t>Luego coloca sobre las piezas verdes, la cantidad de piezas azules que indica la data. </a:t>
+              <a:t>Continua con la segunda categoría más frecuente, las azules y organízalas en una forma que permita concentrarlas en un solo conjunto. </a:t>
             </a:r>
           </a:p>
           <a:p>
@@ -10523,10 +10737,10 @@
               <a:buAutoNum type="arabicPeriod"/>
             </a:pPr>
             <a:r>
-              <a:rPr lang="es-VE" sz="1600" dirty="0">
+              <a:rPr lang="es-VE" sz="1200" dirty="0">
                 <a:latin typeface="Raleway" panose="020B0604020202020204" charset="0"/>
               </a:rPr>
-              <a:t>Luego coloca sobre las piezas amarillas sobre las piezas azules</a:t>
+              <a:t>Sigue con la siguiente categoría que son las piezas verdes. </a:t>
             </a:r>
           </a:p>
           <a:p>
@@ -10534,20 +10748,472 @@
               <a:buAutoNum type="arabicPeriod"/>
             </a:pPr>
             <a:r>
-              <a:rPr lang="es-VE" sz="1600" dirty="0">
+              <a:rPr lang="es-VE" sz="1200" dirty="0">
                 <a:latin typeface="Raleway" panose="020B0604020202020204" charset="0"/>
               </a:rPr>
-              <a:t>Por último coloca las piezas rojas sobre las amarillas. </a:t>
+              <a:t>Completa el gráfico con un triángulo con las piezas rojas. </a:t>
             </a:r>
+          </a:p>
+          <a:p>
+            <a:pPr marL="342900" indent="-342900" algn="just">
+              <a:buAutoNum type="arabicPeriod"/>
+            </a:pPr>
+            <a:endParaRPr lang="es-VE" sz="1200" dirty="0">
+              <a:latin typeface="Raleway" panose="020B0604020202020204" charset="0"/>
+            </a:endParaRPr>
+          </a:p>
+          <a:p>
+            <a:pPr algn="just"/>
+            <a:r>
+              <a:rPr lang="es-VE" sz="1200" dirty="0">
+                <a:latin typeface="Raleway" panose="020B0604020202020204" charset="0"/>
+              </a:rPr>
+              <a:t>Fíjate que siendo los mismos datos, la percepción que causa es diferente y permite ver más que tan más grande o más pequeño es un grupo respecto al otro, mientras que la organización por torta da más la idea de radios respecto a los otros grupos. </a:t>
+            </a:r>
+          </a:p>
+        </p:txBody>
+      </p:sp>
+      <p:cxnSp>
+        <p:nvCxnSpPr>
+          <p:cNvPr id="8" name="Straight Arrow Connector 7">
+            <a:extLst>
+              <a:ext uri="{FF2B5EF4-FFF2-40B4-BE49-F238E27FC236}">
+                <a16:creationId xmlns:a16="http://schemas.microsoft.com/office/drawing/2014/main" id="{C2207261-7E47-44E9-B4C1-34001964DA03}"/>
+              </a:ext>
+            </a:extLst>
+          </p:cNvPr>
+          <p:cNvCxnSpPr>
+            <a:cxnSpLocks/>
+          </p:cNvCxnSpPr>
+          <p:nvPr/>
+        </p:nvCxnSpPr>
+        <p:spPr>
+          <a:xfrm flipV="1">
+            <a:off x="538773" y="3891532"/>
+            <a:ext cx="4905" cy="2674237"/>
+          </a:xfrm>
+          <a:prstGeom prst="straightConnector1">
+            <a:avLst/>
+          </a:prstGeom>
+          <a:ln>
+            <a:solidFill>
+              <a:srgbClr val="F7B617"/>
+            </a:solidFill>
+            <a:headEnd type="arrow" w="med" len="med"/>
+            <a:tailEnd type="arrow" w="med" len="med"/>
+          </a:ln>
+        </p:spPr>
+        <p:style>
+          <a:lnRef idx="1">
+            <a:schemeClr val="accent1"/>
+          </a:lnRef>
+          <a:fillRef idx="0">
+            <a:schemeClr val="accent1"/>
+          </a:fillRef>
+          <a:effectRef idx="0">
+            <a:schemeClr val="accent1"/>
+          </a:effectRef>
+          <a:fontRef idx="minor">
+            <a:schemeClr val="tx1"/>
+          </a:fontRef>
+        </p:style>
+      </p:cxnSp>
+      <p:cxnSp>
+        <p:nvCxnSpPr>
+          <p:cNvPr id="9" name="Straight Arrow Connector 8">
+            <a:extLst>
+              <a:ext uri="{FF2B5EF4-FFF2-40B4-BE49-F238E27FC236}">
+                <a16:creationId xmlns:a16="http://schemas.microsoft.com/office/drawing/2014/main" id="{01C1D2E6-7F74-4B61-9CD3-945D6D1664F0}"/>
+              </a:ext>
+            </a:extLst>
+          </p:cNvPr>
+          <p:cNvCxnSpPr/>
+          <p:nvPr/>
+        </p:nvCxnSpPr>
+        <p:spPr>
+          <a:xfrm>
+            <a:off x="238846" y="5135940"/>
+            <a:ext cx="2328421" cy="0"/>
+          </a:xfrm>
+          <a:prstGeom prst="straightConnector1">
+            <a:avLst/>
+          </a:prstGeom>
+          <a:ln>
+            <a:solidFill>
+              <a:srgbClr val="F7B617"/>
+            </a:solidFill>
+            <a:headEnd type="triangle" w="med" len="med"/>
+            <a:tailEnd type="triangle" w="med" len="med"/>
+          </a:ln>
+        </p:spPr>
+        <p:style>
+          <a:lnRef idx="1">
+            <a:schemeClr val="accent1"/>
+          </a:lnRef>
+          <a:fillRef idx="0">
+            <a:schemeClr val="accent1"/>
+          </a:fillRef>
+          <a:effectRef idx="0">
+            <a:schemeClr val="accent1"/>
+          </a:effectRef>
+          <a:fontRef idx="minor">
+            <a:schemeClr val="tx1"/>
+          </a:fontRef>
+        </p:style>
+      </p:cxnSp>
+      <p:sp>
+        <p:nvSpPr>
+          <p:cNvPr id="10" name="TextBox 9">
+            <a:extLst>
+              <a:ext uri="{FF2B5EF4-FFF2-40B4-BE49-F238E27FC236}">
+                <a16:creationId xmlns:a16="http://schemas.microsoft.com/office/drawing/2014/main" id="{C29E1313-DE0D-4458-AE3B-4BD8C69DEEC4}"/>
+              </a:ext>
+            </a:extLst>
+          </p:cNvPr>
+          <p:cNvSpPr txBox="1"/>
+          <p:nvPr/>
+        </p:nvSpPr>
+        <p:spPr>
+          <a:xfrm flipH="1">
+            <a:off x="1461157" y="6295226"/>
+            <a:ext cx="1239623" cy="523220"/>
+          </a:xfrm>
+          <a:prstGeom prst="rect">
+            <a:avLst/>
+          </a:prstGeom>
+          <a:noFill/>
+        </p:spPr>
+        <p:txBody>
+          <a:bodyPr wrap="square" rtlCol="0">
+            <a:spAutoFit/>
+          </a:bodyPr>
+          <a:lstStyle/>
+          <a:p>
+            <a:pPr algn="ctr"/>
+            <a:r>
+              <a:rPr lang="es-VE" dirty="0">
+                <a:latin typeface="Raleway" panose="020B0604020202020204" charset="0"/>
+              </a:rPr>
+              <a:t>A la </a:t>
+            </a:r>
+          </a:p>
+          <a:p>
+            <a:pPr algn="ctr"/>
+            <a:r>
+              <a:rPr lang="es-VE" dirty="0">
+                <a:latin typeface="Raleway" panose="020B0604020202020204" charset="0"/>
+              </a:rPr>
+              <a:t>derecha</a:t>
+            </a:r>
+            <a:endParaRPr lang="en-US" dirty="0">
+              <a:latin typeface="Raleway" panose="020B0604020202020204" charset="0"/>
+            </a:endParaRPr>
+          </a:p>
+        </p:txBody>
+      </p:sp>
+      <p:sp>
+        <p:nvSpPr>
+          <p:cNvPr id="11" name="TextBox 10">
+            <a:extLst>
+              <a:ext uri="{FF2B5EF4-FFF2-40B4-BE49-F238E27FC236}">
+                <a16:creationId xmlns:a16="http://schemas.microsoft.com/office/drawing/2014/main" id="{8A68D018-1E16-4830-B2C7-95A50E048DD9}"/>
+              </a:ext>
+            </a:extLst>
+          </p:cNvPr>
+          <p:cNvSpPr txBox="1"/>
+          <p:nvPr/>
+        </p:nvSpPr>
+        <p:spPr>
+          <a:xfrm rot="16200000" flipH="1">
+            <a:off x="-291253" y="4369664"/>
+            <a:ext cx="1141226" cy="523220"/>
+          </a:xfrm>
+          <a:prstGeom prst="rect">
+            <a:avLst/>
+          </a:prstGeom>
+          <a:noFill/>
+        </p:spPr>
+        <p:txBody>
+          <a:bodyPr wrap="square" rtlCol="0">
+            <a:spAutoFit/>
+          </a:bodyPr>
+          <a:lstStyle/>
+          <a:p>
+            <a:pPr algn="ctr"/>
+            <a:r>
+              <a:rPr lang="es-VE" dirty="0">
+                <a:latin typeface="Raleway" panose="020B0604020202020204" charset="0"/>
+              </a:rPr>
+              <a:t>Hacia</a:t>
+            </a:r>
+          </a:p>
+          <a:p>
+            <a:pPr algn="ctr"/>
+            <a:r>
+              <a:rPr lang="es-VE" dirty="0">
+                <a:latin typeface="Raleway" panose="020B0604020202020204" charset="0"/>
+              </a:rPr>
+              <a:t> Arriba</a:t>
+            </a:r>
+            <a:endParaRPr lang="en-US" dirty="0">
+              <a:latin typeface="Raleway" panose="020B0604020202020204" charset="0"/>
+            </a:endParaRPr>
+          </a:p>
+        </p:txBody>
+      </p:sp>
+      <p:sp>
+        <p:nvSpPr>
+          <p:cNvPr id="4" name="Rectangle 3">
+            <a:extLst>
+              <a:ext uri="{FF2B5EF4-FFF2-40B4-BE49-F238E27FC236}">
+                <a16:creationId xmlns:a16="http://schemas.microsoft.com/office/drawing/2014/main" id="{F15EF8D2-347F-4E70-82F5-45F2EDEA54C5}"/>
+              </a:ext>
+            </a:extLst>
+          </p:cNvPr>
+          <p:cNvSpPr/>
+          <p:nvPr/>
+        </p:nvSpPr>
+        <p:spPr>
+          <a:xfrm>
+            <a:off x="2365307" y="5929964"/>
+            <a:ext cx="282215" cy="273377"/>
+          </a:xfrm>
+          <a:prstGeom prst="rect">
+            <a:avLst/>
+          </a:prstGeom>
+          <a:solidFill>
+            <a:srgbClr val="FF0000"/>
+          </a:solidFill>
+          <a:ln>
+            <a:solidFill>
+              <a:srgbClr val="2B2B2B"/>
+            </a:solidFill>
+          </a:ln>
+        </p:spPr>
+        <p:style>
+          <a:lnRef idx="2">
+            <a:schemeClr val="accent3">
+              <a:shade val="50000"/>
+            </a:schemeClr>
+          </a:lnRef>
+          <a:fillRef idx="1">
+            <a:schemeClr val="accent3"/>
+          </a:fillRef>
+          <a:effectRef idx="0">
+            <a:schemeClr val="accent3"/>
+          </a:effectRef>
+          <a:fontRef idx="minor">
+            <a:schemeClr val="lt1"/>
+          </a:fontRef>
+        </p:style>
+        <p:txBody>
+          <a:bodyPr rtlCol="0" anchor="ctr"/>
+          <a:lstStyle/>
+          <a:p>
+            <a:pPr algn="ctr"/>
+            <a:endParaRPr lang="en-US"/>
+          </a:p>
+        </p:txBody>
+      </p:sp>
+      <p:sp>
+        <p:nvSpPr>
+          <p:cNvPr id="13" name="Rectangle 12">
+            <a:extLst>
+              <a:ext uri="{FF2B5EF4-FFF2-40B4-BE49-F238E27FC236}">
+                <a16:creationId xmlns:a16="http://schemas.microsoft.com/office/drawing/2014/main" id="{28840895-4686-4FD2-B936-8D0A4964CF52}"/>
+              </a:ext>
+            </a:extLst>
+          </p:cNvPr>
+          <p:cNvSpPr/>
+          <p:nvPr/>
+        </p:nvSpPr>
+        <p:spPr>
+          <a:xfrm>
+            <a:off x="1834753" y="4565932"/>
+            <a:ext cx="282215" cy="273377"/>
+          </a:xfrm>
+          <a:prstGeom prst="rect">
+            <a:avLst/>
+          </a:prstGeom>
+          <a:ln>
+            <a:solidFill>
+              <a:srgbClr val="2B2B2B"/>
+            </a:solidFill>
+          </a:ln>
+        </p:spPr>
+        <p:style>
+          <a:lnRef idx="2">
+            <a:schemeClr val="accent3">
+              <a:shade val="50000"/>
+            </a:schemeClr>
+          </a:lnRef>
+          <a:fillRef idx="1">
+            <a:schemeClr val="accent3"/>
+          </a:fillRef>
+          <a:effectRef idx="0">
+            <a:schemeClr val="accent3"/>
+          </a:effectRef>
+          <a:fontRef idx="minor">
+            <a:schemeClr val="lt1"/>
+          </a:fontRef>
+        </p:style>
+        <p:txBody>
+          <a:bodyPr rtlCol="0" anchor="ctr"/>
+          <a:lstStyle/>
+          <a:p>
+            <a:pPr algn="ctr"/>
+            <a:endParaRPr lang="en-US"/>
+          </a:p>
+        </p:txBody>
+      </p:sp>
+      <p:sp>
+        <p:nvSpPr>
+          <p:cNvPr id="14" name="Rectangle 13">
+            <a:extLst>
+              <a:ext uri="{FF2B5EF4-FFF2-40B4-BE49-F238E27FC236}">
+                <a16:creationId xmlns:a16="http://schemas.microsoft.com/office/drawing/2014/main" id="{EA4F9B29-D116-4DE8-B845-864B515BD419}"/>
+              </a:ext>
+            </a:extLst>
+          </p:cNvPr>
+          <p:cNvSpPr/>
+          <p:nvPr/>
+        </p:nvSpPr>
+        <p:spPr>
+          <a:xfrm>
+            <a:off x="1824388" y="4843749"/>
+            <a:ext cx="282215" cy="273377"/>
+          </a:xfrm>
+          <a:prstGeom prst="rect">
+            <a:avLst/>
+          </a:prstGeom>
+          <a:ln>
+            <a:solidFill>
+              <a:srgbClr val="2B2B2B"/>
+            </a:solidFill>
+          </a:ln>
+        </p:spPr>
+        <p:style>
+          <a:lnRef idx="2">
+            <a:schemeClr val="accent3">
+              <a:shade val="50000"/>
+            </a:schemeClr>
+          </a:lnRef>
+          <a:fillRef idx="1">
+            <a:schemeClr val="accent3"/>
+          </a:fillRef>
+          <a:effectRef idx="0">
+            <a:schemeClr val="accent3"/>
+          </a:effectRef>
+          <a:fontRef idx="minor">
+            <a:schemeClr val="lt1"/>
+          </a:fontRef>
+        </p:style>
+        <p:txBody>
+          <a:bodyPr rtlCol="0" anchor="ctr"/>
+          <a:lstStyle/>
+          <a:p>
+            <a:pPr algn="ctr"/>
+            <a:endParaRPr lang="en-US"/>
+          </a:p>
+        </p:txBody>
+      </p:sp>
+      <p:sp>
+        <p:nvSpPr>
+          <p:cNvPr id="15" name="Rectangle 14">
+            <a:extLst>
+              <a:ext uri="{FF2B5EF4-FFF2-40B4-BE49-F238E27FC236}">
+                <a16:creationId xmlns:a16="http://schemas.microsoft.com/office/drawing/2014/main" id="{AAF2FFF2-96BC-4AFD-9738-F67053E14B05}"/>
+              </a:ext>
+            </a:extLst>
+          </p:cNvPr>
+          <p:cNvSpPr/>
+          <p:nvPr/>
+        </p:nvSpPr>
+        <p:spPr>
+          <a:xfrm>
+            <a:off x="2112800" y="4698967"/>
+            <a:ext cx="282215" cy="273377"/>
+          </a:xfrm>
+          <a:prstGeom prst="rect">
+            <a:avLst/>
+          </a:prstGeom>
+          <a:ln>
+            <a:solidFill>
+              <a:srgbClr val="2B2B2B"/>
+            </a:solidFill>
+          </a:ln>
+        </p:spPr>
+        <p:style>
+          <a:lnRef idx="2">
+            <a:schemeClr val="accent3">
+              <a:shade val="50000"/>
+            </a:schemeClr>
+          </a:lnRef>
+          <a:fillRef idx="1">
+            <a:schemeClr val="accent3"/>
+          </a:fillRef>
+          <a:effectRef idx="0">
+            <a:schemeClr val="accent3"/>
+          </a:effectRef>
+          <a:fontRef idx="minor">
+            <a:schemeClr val="lt1"/>
+          </a:fontRef>
+        </p:style>
+        <p:txBody>
+          <a:bodyPr rtlCol="0" anchor="ctr"/>
+          <a:lstStyle/>
+          <a:p>
+            <a:pPr algn="ctr"/>
+            <a:endParaRPr lang="en-US"/>
+          </a:p>
+        </p:txBody>
+      </p:sp>
+      <p:sp>
+        <p:nvSpPr>
+          <p:cNvPr id="19" name="TextBox 18">
+            <a:extLst>
+              <a:ext uri="{FF2B5EF4-FFF2-40B4-BE49-F238E27FC236}">
+                <a16:creationId xmlns:a16="http://schemas.microsoft.com/office/drawing/2014/main" id="{DF41A57E-A988-4041-8239-11A319182C35}"/>
+              </a:ext>
+            </a:extLst>
+          </p:cNvPr>
+          <p:cNvSpPr txBox="1"/>
+          <p:nvPr/>
+        </p:nvSpPr>
+        <p:spPr>
+          <a:xfrm>
+            <a:off x="2454163" y="4216178"/>
+            <a:ext cx="271598" cy="307777"/>
+          </a:xfrm>
+          <a:prstGeom prst="rect">
+            <a:avLst/>
+          </a:prstGeom>
+          <a:noFill/>
+        </p:spPr>
+        <p:txBody>
+          <a:bodyPr wrap="square" rtlCol="0">
+            <a:spAutoFit/>
+          </a:bodyPr>
+          <a:lstStyle/>
+          <a:p>
+            <a:r>
+              <a:rPr lang="es-VE" dirty="0">
+                <a:latin typeface="Raleway" panose="020B0604020202020204" charset="0"/>
+              </a:rPr>
+              <a:t>3</a:t>
+            </a:r>
+            <a:endParaRPr lang="en-US" dirty="0">
+              <a:latin typeface="Raleway" panose="020B0604020202020204" charset="0"/>
+            </a:endParaRPr>
           </a:p>
         </p:txBody>
       </p:sp>
       <p:graphicFrame>
         <p:nvGraphicFramePr>
-          <p:cNvPr id="3" name="Table 2">
+          <p:cNvPr id="22" name="Table 21">
             <a:extLst>
               <a:ext uri="{FF2B5EF4-FFF2-40B4-BE49-F238E27FC236}">
-                <a16:creationId xmlns:a16="http://schemas.microsoft.com/office/drawing/2014/main" id="{99B0A39E-EDAF-4197-A6EB-92B53F8AF5DA}"/>
+                <a16:creationId xmlns:a16="http://schemas.microsoft.com/office/drawing/2014/main" id="{EF950AFF-A384-482D-90FF-2FB1CC2B3D82}"/>
               </a:ext>
             </a:extLst>
           </p:cNvPr>
@@ -10559,8 +11225,8 @@
           </p:nvPr>
         </p:nvGraphicFramePr>
         <p:xfrm>
-          <a:off x="132932" y="2098404"/>
-          <a:ext cx="4104894" cy="1854200"/>
+          <a:off x="744841" y="1952287"/>
+          <a:ext cx="1658993" cy="1854200"/>
         </p:xfrm>
         <a:graphic>
           <a:graphicData uri="http://schemas.openxmlformats.org/drawingml/2006/table">
@@ -10569,7 +11235,7 @@
                 <a:tableStyleId>{5C22544A-7EE6-4342-B048-85BDC9FD1C3A}</a:tableStyleId>
               </a:tblPr>
               <a:tblGrid>
-                <a:gridCol w="1046274">
+                <a:gridCol w="1060768">
                   <a:extLst>
                     <a:ext uri="{9D8B030D-6E8A-4147-A177-3AD203B41FA5}">
                       <a16:colId xmlns:a16="http://schemas.microsoft.com/office/drawing/2014/main" val="1642073338"/>
@@ -10580,34 +11246,6 @@
                   <a:extLst>
                     <a:ext uri="{9D8B030D-6E8A-4147-A177-3AD203B41FA5}">
                       <a16:colId xmlns:a16="http://schemas.microsoft.com/office/drawing/2014/main" val="1073385963"/>
-                    </a:ext>
-                  </a:extLst>
-                </a:gridCol>
-                <a:gridCol w="598602">
-                  <a:extLst>
-                    <a:ext uri="{9D8B030D-6E8A-4147-A177-3AD203B41FA5}">
-                      <a16:colId xmlns:a16="http://schemas.microsoft.com/office/drawing/2014/main" val="2345704613"/>
-                    </a:ext>
-                  </a:extLst>
-                </a:gridCol>
-                <a:gridCol w="593889">
-                  <a:extLst>
-                    <a:ext uri="{9D8B030D-6E8A-4147-A177-3AD203B41FA5}">
-                      <a16:colId xmlns:a16="http://schemas.microsoft.com/office/drawing/2014/main" val="1459903231"/>
-                    </a:ext>
-                  </a:extLst>
-                </a:gridCol>
-                <a:gridCol w="631595">
-                  <a:extLst>
-                    <a:ext uri="{9D8B030D-6E8A-4147-A177-3AD203B41FA5}">
-                      <a16:colId xmlns:a16="http://schemas.microsoft.com/office/drawing/2014/main" val="311011381"/>
-                    </a:ext>
-                  </a:extLst>
-                </a:gridCol>
-                <a:gridCol w="636309">
-                  <a:extLst>
-                    <a:ext uri="{9D8B030D-6E8A-4147-A177-3AD203B41FA5}">
-                      <a16:colId xmlns:a16="http://schemas.microsoft.com/office/drawing/2014/main" val="4234893951"/>
                     </a:ext>
                   </a:extLst>
                 </a:gridCol>
@@ -10682,271 +11320,6 @@
                     <a:bodyPr/>
                     <a:lstStyle/>
                     <a:p>
-                      <a:r>
-                        <a:rPr lang="es-VE" dirty="0">
-                          <a:solidFill>
-                            <a:schemeClr val="bg1"/>
-                          </a:solidFill>
-                          <a:latin typeface="Raleway" panose="020B0604020202020204" charset="0"/>
-                        </a:rPr>
-                        <a:t>2012</a:t>
-                      </a:r>
-                      <a:endParaRPr lang="en-US" dirty="0">
-                        <a:solidFill>
-                          <a:schemeClr val="bg1"/>
-                        </a:solidFill>
-                        <a:latin typeface="Raleway" panose="020B0604020202020204" charset="0"/>
-                      </a:endParaRPr>
-                    </a:p>
-                  </a:txBody>
-                  <a:tcPr>
-                    <a:lnL w="12700" cap="flat" cmpd="sng" algn="ctr">
-                      <a:solidFill>
-                        <a:schemeClr val="tx1"/>
-                      </a:solidFill>
-                      <a:prstDash val="solid"/>
-                      <a:round/>
-                      <a:headEnd type="none" w="med" len="med"/>
-                      <a:tailEnd type="none" w="med" len="med"/>
-                    </a:lnL>
-                    <a:lnR w="12700" cap="flat" cmpd="sng" algn="ctr">
-                      <a:solidFill>
-                        <a:schemeClr val="tx1"/>
-                      </a:solidFill>
-                      <a:prstDash val="solid"/>
-                      <a:round/>
-                      <a:headEnd type="none" w="med" len="med"/>
-                      <a:tailEnd type="none" w="med" len="med"/>
-                    </a:lnR>
-                    <a:lnT w="12700" cap="flat" cmpd="sng" algn="ctr">
-                      <a:solidFill>
-                        <a:schemeClr val="tx1"/>
-                      </a:solidFill>
-                      <a:prstDash val="solid"/>
-                      <a:round/>
-                      <a:headEnd type="none" w="med" len="med"/>
-                      <a:tailEnd type="none" w="med" len="med"/>
-                    </a:lnT>
-                    <a:lnB w="12700" cap="flat" cmpd="sng" algn="ctr">
-                      <a:solidFill>
-                        <a:schemeClr val="tx1"/>
-                      </a:solidFill>
-                      <a:prstDash val="solid"/>
-                      <a:round/>
-                      <a:headEnd type="none" w="med" len="med"/>
-                      <a:tailEnd type="none" w="med" len="med"/>
-                    </a:lnB>
-                    <a:solidFill>
-                      <a:srgbClr val="F7B617"/>
-                    </a:solidFill>
-                  </a:tcPr>
-                </a:tc>
-                <a:tc>
-                  <a:txBody>
-                    <a:bodyPr/>
-                    <a:lstStyle/>
-                    <a:p>
-                      <a:r>
-                        <a:rPr lang="es-VE" dirty="0">
-                          <a:solidFill>
-                            <a:schemeClr val="bg1"/>
-                          </a:solidFill>
-                          <a:latin typeface="Raleway" panose="020B0604020202020204" charset="0"/>
-                        </a:rPr>
-                        <a:t>2013</a:t>
-                      </a:r>
-                      <a:endParaRPr lang="en-US" dirty="0">
-                        <a:solidFill>
-                          <a:schemeClr val="bg1"/>
-                        </a:solidFill>
-                        <a:latin typeface="Raleway" panose="020B0604020202020204" charset="0"/>
-                      </a:endParaRPr>
-                    </a:p>
-                  </a:txBody>
-                  <a:tcPr>
-                    <a:lnL w="12700" cap="flat" cmpd="sng" algn="ctr">
-                      <a:solidFill>
-                        <a:schemeClr val="tx1"/>
-                      </a:solidFill>
-                      <a:prstDash val="solid"/>
-                      <a:round/>
-                      <a:headEnd type="none" w="med" len="med"/>
-                      <a:tailEnd type="none" w="med" len="med"/>
-                    </a:lnL>
-                    <a:lnR w="12700" cap="flat" cmpd="sng" algn="ctr">
-                      <a:solidFill>
-                        <a:schemeClr val="tx1"/>
-                      </a:solidFill>
-                      <a:prstDash val="solid"/>
-                      <a:round/>
-                      <a:headEnd type="none" w="med" len="med"/>
-                      <a:tailEnd type="none" w="med" len="med"/>
-                    </a:lnR>
-                    <a:lnT w="12700" cap="flat" cmpd="sng" algn="ctr">
-                      <a:solidFill>
-                        <a:schemeClr val="tx1"/>
-                      </a:solidFill>
-                      <a:prstDash val="solid"/>
-                      <a:round/>
-                      <a:headEnd type="none" w="med" len="med"/>
-                      <a:tailEnd type="none" w="med" len="med"/>
-                    </a:lnT>
-                    <a:lnB w="12700" cap="flat" cmpd="sng" algn="ctr">
-                      <a:solidFill>
-                        <a:schemeClr val="tx1"/>
-                      </a:solidFill>
-                      <a:prstDash val="solid"/>
-                      <a:round/>
-                      <a:headEnd type="none" w="med" len="med"/>
-                      <a:tailEnd type="none" w="med" len="med"/>
-                    </a:lnB>
-                    <a:solidFill>
-                      <a:srgbClr val="F7B617"/>
-                    </a:solidFill>
-                  </a:tcPr>
-                </a:tc>
-                <a:tc>
-                  <a:txBody>
-                    <a:bodyPr/>
-                    <a:lstStyle/>
-                    <a:p>
-                      <a:r>
-                        <a:rPr lang="es-VE" dirty="0">
-                          <a:solidFill>
-                            <a:schemeClr val="bg1"/>
-                          </a:solidFill>
-                          <a:latin typeface="Raleway" panose="020B0604020202020204" charset="0"/>
-                        </a:rPr>
-                        <a:t>2014</a:t>
-                      </a:r>
-                      <a:endParaRPr lang="en-US" dirty="0">
-                        <a:solidFill>
-                          <a:schemeClr val="bg1"/>
-                        </a:solidFill>
-                        <a:latin typeface="Raleway" panose="020B0604020202020204" charset="0"/>
-                      </a:endParaRPr>
-                    </a:p>
-                  </a:txBody>
-                  <a:tcPr>
-                    <a:lnL w="12700" cap="flat" cmpd="sng" algn="ctr">
-                      <a:solidFill>
-                        <a:schemeClr val="tx1"/>
-                      </a:solidFill>
-                      <a:prstDash val="solid"/>
-                      <a:round/>
-                      <a:headEnd type="none" w="med" len="med"/>
-                      <a:tailEnd type="none" w="med" len="med"/>
-                    </a:lnL>
-                    <a:lnR w="12700" cap="flat" cmpd="sng" algn="ctr">
-                      <a:solidFill>
-                        <a:schemeClr val="tx1"/>
-                      </a:solidFill>
-                      <a:prstDash val="solid"/>
-                      <a:round/>
-                      <a:headEnd type="none" w="med" len="med"/>
-                      <a:tailEnd type="none" w="med" len="med"/>
-                    </a:lnR>
-                    <a:lnT w="12700" cap="flat" cmpd="sng" algn="ctr">
-                      <a:solidFill>
-                        <a:schemeClr val="tx1"/>
-                      </a:solidFill>
-                      <a:prstDash val="solid"/>
-                      <a:round/>
-                      <a:headEnd type="none" w="med" len="med"/>
-                      <a:tailEnd type="none" w="med" len="med"/>
-                    </a:lnT>
-                    <a:lnB w="12700" cap="flat" cmpd="sng" algn="ctr">
-                      <a:solidFill>
-                        <a:schemeClr val="tx1"/>
-                      </a:solidFill>
-                      <a:prstDash val="solid"/>
-                      <a:round/>
-                      <a:headEnd type="none" w="med" len="med"/>
-                      <a:tailEnd type="none" w="med" len="med"/>
-                    </a:lnB>
-                    <a:solidFill>
-                      <a:srgbClr val="F7B617"/>
-                    </a:solidFill>
-                  </a:tcPr>
-                </a:tc>
-                <a:tc>
-                  <a:txBody>
-                    <a:bodyPr/>
-                    <a:lstStyle/>
-                    <a:p>
-                      <a:r>
-                        <a:rPr lang="es-VE" dirty="0">
-                          <a:solidFill>
-                            <a:schemeClr val="bg1"/>
-                          </a:solidFill>
-                          <a:latin typeface="Raleway" panose="020B0604020202020204" charset="0"/>
-                        </a:rPr>
-                        <a:t>2015</a:t>
-                      </a:r>
-                      <a:endParaRPr lang="en-US" dirty="0">
-                        <a:solidFill>
-                          <a:schemeClr val="bg1"/>
-                        </a:solidFill>
-                        <a:latin typeface="Raleway" panose="020B0604020202020204" charset="0"/>
-                      </a:endParaRPr>
-                    </a:p>
-                  </a:txBody>
-                  <a:tcPr>
-                    <a:lnL w="12700" cap="flat" cmpd="sng" algn="ctr">
-                      <a:solidFill>
-                        <a:schemeClr val="tx1"/>
-                      </a:solidFill>
-                      <a:prstDash val="solid"/>
-                      <a:round/>
-                      <a:headEnd type="none" w="med" len="med"/>
-                      <a:tailEnd type="none" w="med" len="med"/>
-                    </a:lnL>
-                    <a:lnR w="12700" cap="flat" cmpd="sng" algn="ctr">
-                      <a:solidFill>
-                        <a:schemeClr val="tx1"/>
-                      </a:solidFill>
-                      <a:prstDash val="solid"/>
-                      <a:round/>
-                      <a:headEnd type="none" w="med" len="med"/>
-                      <a:tailEnd type="none" w="med" len="med"/>
-                    </a:lnR>
-                    <a:lnT w="12700" cap="flat" cmpd="sng" algn="ctr">
-                      <a:solidFill>
-                        <a:schemeClr val="tx1"/>
-                      </a:solidFill>
-                      <a:prstDash val="solid"/>
-                      <a:round/>
-                      <a:headEnd type="none" w="med" len="med"/>
-                      <a:tailEnd type="none" w="med" len="med"/>
-                    </a:lnT>
-                    <a:lnB w="12700" cap="flat" cmpd="sng" algn="ctr">
-                      <a:solidFill>
-                        <a:schemeClr val="tx1"/>
-                      </a:solidFill>
-                      <a:prstDash val="solid"/>
-                      <a:round/>
-                      <a:headEnd type="none" w="med" len="med"/>
-                      <a:tailEnd type="none" w="med" len="med"/>
-                    </a:lnB>
-                    <a:solidFill>
-                      <a:srgbClr val="F7B617"/>
-                    </a:solidFill>
-                  </a:tcPr>
-                </a:tc>
-                <a:tc>
-                  <a:txBody>
-                    <a:bodyPr/>
-                    <a:lstStyle/>
-                    <a:p>
-                      <a:r>
-                        <a:rPr lang="es-VE" dirty="0">
-                          <a:solidFill>
-                            <a:schemeClr val="bg1"/>
-                          </a:solidFill>
-                          <a:latin typeface="Raleway" panose="020B0604020202020204" charset="0"/>
-                        </a:rPr>
-                        <a:t>2016</a:t>
-                      </a:r>
                       <a:endParaRPr lang="en-US" dirty="0">
                         <a:solidFill>
                           <a:schemeClr val="bg1"/>
@@ -11013,7 +11386,7 @@
                       <a:r>
                         <a:rPr lang="es-VE" b="1" dirty="0">
                           <a:solidFill>
-                            <a:srgbClr val="00B050"/>
+                            <a:srgbClr val="92D050"/>
                           </a:solidFill>
                           <a:latin typeface="Raleway" panose="020B0604020202020204" charset="0"/>
                         </a:rPr>
@@ -11021,7 +11394,7 @@
                       </a:r>
                       <a:endParaRPr lang="en-US" b="1" dirty="0">
                         <a:solidFill>
-                          <a:srgbClr val="00B050"/>
+                          <a:srgbClr val="92D050"/>
                         </a:solidFill>
                         <a:latin typeface="Raleway" panose="020B0604020202020204" charset="0"/>
                       </a:endParaRPr>
@@ -11064,64 +11437,9 @@
                       <a:headEnd type="none" w="med" len="med"/>
                       <a:tailEnd type="none" w="med" len="med"/>
                     </a:lnB>
-                    <a:noFill/>
-                  </a:tcPr>
-                </a:tc>
-                <a:tc>
-                  <a:txBody>
-                    <a:bodyPr/>
-                    <a:lstStyle/>
-                    <a:p>
-                      <a:pPr algn="ctr"/>
-                      <a:r>
-                        <a:rPr lang="en-US" dirty="0">
-                          <a:solidFill>
-                            <a:schemeClr val="tx1"/>
-                          </a:solidFill>
-                          <a:latin typeface="Raleway" panose="020B0604020202020204" charset="0"/>
-                        </a:rPr>
-                        <a:t>1</a:t>
-                      </a:r>
-                    </a:p>
-                  </a:txBody>
-                  <a:tcPr>
-                    <a:lnL w="12700" cap="flat" cmpd="sng" algn="ctr">
-                      <a:solidFill>
-                        <a:schemeClr val="tx1"/>
-                      </a:solidFill>
-                      <a:prstDash val="solid"/>
-                      <a:round/>
-                      <a:headEnd type="none" w="med" len="med"/>
-                      <a:tailEnd type="none" w="med" len="med"/>
-                    </a:lnL>
-                    <a:lnR w="12700" cap="flat" cmpd="sng" algn="ctr">
-                      <a:solidFill>
-                        <a:schemeClr val="tx1"/>
-                      </a:solidFill>
-                      <a:prstDash val="solid"/>
-                      <a:round/>
-                      <a:headEnd type="none" w="med" len="med"/>
-                      <a:tailEnd type="none" w="med" len="med"/>
-                    </a:lnR>
-                    <a:lnT w="12700" cap="flat" cmpd="sng" algn="ctr">
-                      <a:solidFill>
-                        <a:schemeClr val="tx1"/>
-                      </a:solidFill>
-                      <a:prstDash val="solid"/>
-                      <a:round/>
-                      <a:headEnd type="none" w="med" len="med"/>
-                      <a:tailEnd type="none" w="med" len="med"/>
-                    </a:lnT>
-                    <a:lnB w="12700" cap="flat" cmpd="sng" algn="ctr">
-                      <a:solidFill>
-                        <a:schemeClr val="tx1"/>
-                      </a:solidFill>
-                      <a:prstDash val="solid"/>
-                      <a:round/>
-                      <a:headEnd type="none" w="med" len="med"/>
-                      <a:tailEnd type="none" w="med" len="med"/>
-                    </a:lnB>
-                    <a:noFill/>
+                    <a:solidFill>
+                      <a:srgbClr val="92D050"/>
+                    </a:solidFill>
                   </a:tcPr>
                 </a:tc>
                 <a:tc>
@@ -11137,7 +11455,7 @@
                           </a:solidFill>
                           <a:latin typeface="Raleway" panose="020B0604020202020204" charset="0"/>
                         </a:rPr>
-                        <a:t>2</a:t>
+                        <a:t>5</a:t>
                       </a:r>
                       <a:endParaRPr lang="en-US" dirty="0">
                         <a:solidFill>
@@ -11145,177 +11463,6 @@
                         </a:solidFill>
                         <a:latin typeface="Raleway" panose="020B0604020202020204" charset="0"/>
                       </a:endParaRPr>
-                    </a:p>
-                  </a:txBody>
-                  <a:tcPr>
-                    <a:lnL w="12700" cap="flat" cmpd="sng" algn="ctr">
-                      <a:solidFill>
-                        <a:schemeClr val="tx1"/>
-                      </a:solidFill>
-                      <a:prstDash val="solid"/>
-                      <a:round/>
-                      <a:headEnd type="none" w="med" len="med"/>
-                      <a:tailEnd type="none" w="med" len="med"/>
-                    </a:lnL>
-                    <a:lnR w="12700" cap="flat" cmpd="sng" algn="ctr">
-                      <a:solidFill>
-                        <a:schemeClr val="tx1"/>
-                      </a:solidFill>
-                      <a:prstDash val="solid"/>
-                      <a:round/>
-                      <a:headEnd type="none" w="med" len="med"/>
-                      <a:tailEnd type="none" w="med" len="med"/>
-                    </a:lnR>
-                    <a:lnT w="12700" cap="flat" cmpd="sng" algn="ctr">
-                      <a:solidFill>
-                        <a:schemeClr val="tx1"/>
-                      </a:solidFill>
-                      <a:prstDash val="solid"/>
-                      <a:round/>
-                      <a:headEnd type="none" w="med" len="med"/>
-                      <a:tailEnd type="none" w="med" len="med"/>
-                    </a:lnT>
-                    <a:lnB w="12700" cap="flat" cmpd="sng" algn="ctr">
-                      <a:solidFill>
-                        <a:schemeClr val="tx1"/>
-                      </a:solidFill>
-                      <a:prstDash val="solid"/>
-                      <a:round/>
-                      <a:headEnd type="none" w="med" len="med"/>
-                      <a:tailEnd type="none" w="med" len="med"/>
-                    </a:lnB>
-                    <a:noFill/>
-                  </a:tcPr>
-                </a:tc>
-                <a:tc>
-                  <a:txBody>
-                    <a:bodyPr/>
-                    <a:lstStyle/>
-                    <a:p>
-                      <a:pPr algn="ctr"/>
-                      <a:r>
-                        <a:rPr lang="en-US" dirty="0">
-                          <a:solidFill>
-                            <a:schemeClr val="tx1"/>
-                          </a:solidFill>
-                          <a:latin typeface="Raleway" panose="020B0604020202020204" charset="0"/>
-                        </a:rPr>
-                        <a:t>2</a:t>
-                      </a:r>
-                    </a:p>
-                  </a:txBody>
-                  <a:tcPr>
-                    <a:lnL w="12700" cap="flat" cmpd="sng" algn="ctr">
-                      <a:solidFill>
-                        <a:schemeClr val="tx1"/>
-                      </a:solidFill>
-                      <a:prstDash val="solid"/>
-                      <a:round/>
-                      <a:headEnd type="none" w="med" len="med"/>
-                      <a:tailEnd type="none" w="med" len="med"/>
-                    </a:lnL>
-                    <a:lnR w="12700" cap="flat" cmpd="sng" algn="ctr">
-                      <a:solidFill>
-                        <a:schemeClr val="tx1"/>
-                      </a:solidFill>
-                      <a:prstDash val="solid"/>
-                      <a:round/>
-                      <a:headEnd type="none" w="med" len="med"/>
-                      <a:tailEnd type="none" w="med" len="med"/>
-                    </a:lnR>
-                    <a:lnT w="12700" cap="flat" cmpd="sng" algn="ctr">
-                      <a:solidFill>
-                        <a:schemeClr val="tx1"/>
-                      </a:solidFill>
-                      <a:prstDash val="solid"/>
-                      <a:round/>
-                      <a:headEnd type="none" w="med" len="med"/>
-                      <a:tailEnd type="none" w="med" len="med"/>
-                    </a:lnT>
-                    <a:lnB w="12700" cap="flat" cmpd="sng" algn="ctr">
-                      <a:solidFill>
-                        <a:schemeClr val="tx1"/>
-                      </a:solidFill>
-                      <a:prstDash val="solid"/>
-                      <a:round/>
-                      <a:headEnd type="none" w="med" len="med"/>
-                      <a:tailEnd type="none" w="med" len="med"/>
-                    </a:lnB>
-                    <a:noFill/>
-                  </a:tcPr>
-                </a:tc>
-                <a:tc>
-                  <a:txBody>
-                    <a:bodyPr/>
-                    <a:lstStyle/>
-                    <a:p>
-                      <a:pPr algn="ctr"/>
-                      <a:r>
-                        <a:rPr lang="en-US" dirty="0">
-                          <a:solidFill>
-                            <a:schemeClr val="tx1"/>
-                          </a:solidFill>
-                          <a:latin typeface="Raleway" panose="020B0604020202020204" charset="0"/>
-                        </a:rPr>
-                        <a:t>2</a:t>
-                      </a:r>
-                    </a:p>
-                  </a:txBody>
-                  <a:tcPr>
-                    <a:lnL w="12700" cap="flat" cmpd="sng" algn="ctr">
-                      <a:solidFill>
-                        <a:schemeClr val="tx1"/>
-                      </a:solidFill>
-                      <a:prstDash val="solid"/>
-                      <a:round/>
-                      <a:headEnd type="none" w="med" len="med"/>
-                      <a:tailEnd type="none" w="med" len="med"/>
-                    </a:lnL>
-                    <a:lnR w="12700" cap="flat" cmpd="sng" algn="ctr">
-                      <a:solidFill>
-                        <a:schemeClr val="tx1"/>
-                      </a:solidFill>
-                      <a:prstDash val="solid"/>
-                      <a:round/>
-                      <a:headEnd type="none" w="med" len="med"/>
-                      <a:tailEnd type="none" w="med" len="med"/>
-                    </a:lnR>
-                    <a:lnT w="12700" cap="flat" cmpd="sng" algn="ctr">
-                      <a:solidFill>
-                        <a:schemeClr val="tx1"/>
-                      </a:solidFill>
-                      <a:prstDash val="solid"/>
-                      <a:round/>
-                      <a:headEnd type="none" w="med" len="med"/>
-                      <a:tailEnd type="none" w="med" len="med"/>
-                    </a:lnT>
-                    <a:lnB w="12700" cap="flat" cmpd="sng" algn="ctr">
-                      <a:solidFill>
-                        <a:schemeClr val="tx1"/>
-                      </a:solidFill>
-                      <a:prstDash val="solid"/>
-                      <a:round/>
-                      <a:headEnd type="none" w="med" len="med"/>
-                      <a:tailEnd type="none" w="med" len="med"/>
-                    </a:lnB>
-                    <a:noFill/>
-                  </a:tcPr>
-                </a:tc>
-                <a:tc>
-                  <a:txBody>
-                    <a:bodyPr/>
-                    <a:lstStyle/>
-                    <a:p>
-                      <a:pPr algn="ctr"/>
-                      <a:r>
-                        <a:rPr lang="en-US" dirty="0">
-                          <a:solidFill>
-                            <a:schemeClr val="tx1"/>
-                          </a:solidFill>
-                          <a:latin typeface="Raleway" panose="020B0604020202020204" charset="0"/>
-                        </a:rPr>
-                        <a:t>3</a:t>
-                      </a:r>
                     </a:p>
                   </a:txBody>
                   <a:tcPr>
@@ -11425,7 +11572,9 @@
                       <a:headEnd type="none" w="med" len="med"/>
                       <a:tailEnd type="none" w="med" len="med"/>
                     </a:lnB>
-                    <a:noFill/>
+                    <a:solidFill>
+                      <a:srgbClr val="0070C0"/>
+                    </a:solidFill>
                   </a:tcPr>
                 </a:tc>
                 <a:tc>
@@ -11435,242 +11584,20 @@
                     <a:p>
                       <a:pPr algn="ctr"/>
                       <a:r>
-                        <a:rPr lang="en-US" dirty="0">
+                        <a:rPr lang="es-VE" dirty="0">
                           <a:solidFill>
                             <a:schemeClr val="tx1"/>
                           </a:solidFill>
                           <a:latin typeface="Raleway" panose="020B0604020202020204" charset="0"/>
                         </a:rPr>
-                        <a:t>1</a:t>
+                        <a:t>7</a:t>
                       </a:r>
-                    </a:p>
-                  </a:txBody>
-                  <a:tcPr>
-                    <a:lnL w="12700" cap="flat" cmpd="sng" algn="ctr">
-                      <a:solidFill>
-                        <a:schemeClr val="tx1"/>
-                      </a:solidFill>
-                      <a:prstDash val="solid"/>
-                      <a:round/>
-                      <a:headEnd type="none" w="med" len="med"/>
-                      <a:tailEnd type="none" w="med" len="med"/>
-                    </a:lnL>
-                    <a:lnR w="12700" cap="flat" cmpd="sng" algn="ctr">
-                      <a:solidFill>
-                        <a:schemeClr val="tx1"/>
-                      </a:solidFill>
-                      <a:prstDash val="solid"/>
-                      <a:round/>
-                      <a:headEnd type="none" w="med" len="med"/>
-                      <a:tailEnd type="none" w="med" len="med"/>
-                    </a:lnR>
-                    <a:lnT w="12700" cap="flat" cmpd="sng" algn="ctr">
-                      <a:solidFill>
-                        <a:schemeClr val="tx1"/>
-                      </a:solidFill>
-                      <a:prstDash val="solid"/>
-                      <a:round/>
-                      <a:headEnd type="none" w="med" len="med"/>
-                      <a:tailEnd type="none" w="med" len="med"/>
-                    </a:lnT>
-                    <a:lnB w="12700" cap="flat" cmpd="sng" algn="ctr">
-                      <a:solidFill>
-                        <a:schemeClr val="tx1"/>
-                      </a:solidFill>
-                      <a:prstDash val="solid"/>
-                      <a:round/>
-                      <a:headEnd type="none" w="med" len="med"/>
-                      <a:tailEnd type="none" w="med" len="med"/>
-                    </a:lnB>
-                    <a:noFill/>
-                  </a:tcPr>
-                </a:tc>
-                <a:tc>
-                  <a:txBody>
-                    <a:bodyPr/>
-                    <a:lstStyle/>
-                    <a:p>
-                      <a:pPr algn="ctr"/>
-                      <a:r>
-                        <a:rPr lang="en-US" dirty="0">
-                          <a:solidFill>
-                            <a:schemeClr val="tx1"/>
-                          </a:solidFill>
-                          <a:latin typeface="Raleway" panose="020B0604020202020204" charset="0"/>
-                        </a:rPr>
-                        <a:t>2</a:t>
-                      </a:r>
-                    </a:p>
-                  </a:txBody>
-                  <a:tcPr>
-                    <a:lnL w="12700" cap="flat" cmpd="sng" algn="ctr">
-                      <a:solidFill>
-                        <a:schemeClr val="tx1"/>
-                      </a:solidFill>
-                      <a:prstDash val="solid"/>
-                      <a:round/>
-                      <a:headEnd type="none" w="med" len="med"/>
-                      <a:tailEnd type="none" w="med" len="med"/>
-                    </a:lnL>
-                    <a:lnR w="12700" cap="flat" cmpd="sng" algn="ctr">
-                      <a:solidFill>
-                        <a:schemeClr val="tx1"/>
-                      </a:solidFill>
-                      <a:prstDash val="solid"/>
-                      <a:round/>
-                      <a:headEnd type="none" w="med" len="med"/>
-                      <a:tailEnd type="none" w="med" len="med"/>
-                    </a:lnR>
-                    <a:lnT w="12700" cap="flat" cmpd="sng" algn="ctr">
-                      <a:solidFill>
-                        <a:schemeClr val="tx1"/>
-                      </a:solidFill>
-                      <a:prstDash val="solid"/>
-                      <a:round/>
-                      <a:headEnd type="none" w="med" len="med"/>
-                      <a:tailEnd type="none" w="med" len="med"/>
-                    </a:lnT>
-                    <a:lnB w="12700" cap="flat" cmpd="sng" algn="ctr">
-                      <a:solidFill>
-                        <a:schemeClr val="tx1"/>
-                      </a:solidFill>
-                      <a:prstDash val="solid"/>
-                      <a:round/>
-                      <a:headEnd type="none" w="med" len="med"/>
-                      <a:tailEnd type="none" w="med" len="med"/>
-                    </a:lnB>
-                    <a:noFill/>
-                  </a:tcPr>
-                </a:tc>
-                <a:tc>
-                  <a:txBody>
-                    <a:bodyPr/>
-                    <a:lstStyle/>
-                    <a:p>
-                      <a:pPr algn="ctr"/>
-                      <a:r>
-                        <a:rPr lang="en-US" dirty="0">
-                          <a:solidFill>
-                            <a:schemeClr val="tx1"/>
-                          </a:solidFill>
-                          <a:latin typeface="Raleway" panose="020B0604020202020204" charset="0"/>
-                        </a:rPr>
-                        <a:t>2</a:t>
-                      </a:r>
-                    </a:p>
-                  </a:txBody>
-                  <a:tcPr>
-                    <a:lnL w="12700" cap="flat" cmpd="sng" algn="ctr">
-                      <a:solidFill>
-                        <a:schemeClr val="tx1"/>
-                      </a:solidFill>
-                      <a:prstDash val="solid"/>
-                      <a:round/>
-                      <a:headEnd type="none" w="med" len="med"/>
-                      <a:tailEnd type="none" w="med" len="med"/>
-                    </a:lnL>
-                    <a:lnR w="12700" cap="flat" cmpd="sng" algn="ctr">
-                      <a:solidFill>
-                        <a:schemeClr val="tx1"/>
-                      </a:solidFill>
-                      <a:prstDash val="solid"/>
-                      <a:round/>
-                      <a:headEnd type="none" w="med" len="med"/>
-                      <a:tailEnd type="none" w="med" len="med"/>
-                    </a:lnR>
-                    <a:lnT w="12700" cap="flat" cmpd="sng" algn="ctr">
-                      <a:solidFill>
-                        <a:schemeClr val="tx1"/>
-                      </a:solidFill>
-                      <a:prstDash val="solid"/>
-                      <a:round/>
-                      <a:headEnd type="none" w="med" len="med"/>
-                      <a:tailEnd type="none" w="med" len="med"/>
-                    </a:lnT>
-                    <a:lnB w="12700" cap="flat" cmpd="sng" algn="ctr">
-                      <a:solidFill>
-                        <a:schemeClr val="tx1"/>
-                      </a:solidFill>
-                      <a:prstDash val="solid"/>
-                      <a:round/>
-                      <a:headEnd type="none" w="med" len="med"/>
-                      <a:tailEnd type="none" w="med" len="med"/>
-                    </a:lnB>
-                    <a:noFill/>
-                  </a:tcPr>
-                </a:tc>
-                <a:tc>
-                  <a:txBody>
-                    <a:bodyPr/>
-                    <a:lstStyle/>
-                    <a:p>
-                      <a:pPr algn="ctr"/>
-                      <a:r>
-                        <a:rPr lang="en-US" dirty="0">
-                          <a:solidFill>
-                            <a:schemeClr val="tx1"/>
-                          </a:solidFill>
-                          <a:latin typeface="Raleway" panose="020B0604020202020204" charset="0"/>
-                        </a:rPr>
-                        <a:t>2</a:t>
-                      </a:r>
-                    </a:p>
-                  </a:txBody>
-                  <a:tcPr>
-                    <a:lnL w="12700" cap="flat" cmpd="sng" algn="ctr">
-                      <a:solidFill>
-                        <a:schemeClr val="tx1"/>
-                      </a:solidFill>
-                      <a:prstDash val="solid"/>
-                      <a:round/>
-                      <a:headEnd type="none" w="med" len="med"/>
-                      <a:tailEnd type="none" w="med" len="med"/>
-                    </a:lnL>
-                    <a:lnR w="12700" cap="flat" cmpd="sng" algn="ctr">
-                      <a:solidFill>
-                        <a:schemeClr val="tx1"/>
-                      </a:solidFill>
-                      <a:prstDash val="solid"/>
-                      <a:round/>
-                      <a:headEnd type="none" w="med" len="med"/>
-                      <a:tailEnd type="none" w="med" len="med"/>
-                    </a:lnR>
-                    <a:lnT w="12700" cap="flat" cmpd="sng" algn="ctr">
-                      <a:solidFill>
-                        <a:schemeClr val="tx1"/>
-                      </a:solidFill>
-                      <a:prstDash val="solid"/>
-                      <a:round/>
-                      <a:headEnd type="none" w="med" len="med"/>
-                      <a:tailEnd type="none" w="med" len="med"/>
-                    </a:lnT>
-                    <a:lnB w="12700" cap="flat" cmpd="sng" algn="ctr">
-                      <a:solidFill>
-                        <a:schemeClr val="tx1"/>
-                      </a:solidFill>
-                      <a:prstDash val="solid"/>
-                      <a:round/>
-                      <a:headEnd type="none" w="med" len="med"/>
-                      <a:tailEnd type="none" w="med" len="med"/>
-                    </a:lnB>
-                    <a:noFill/>
-                  </a:tcPr>
-                </a:tc>
-                <a:tc>
-                  <a:txBody>
-                    <a:bodyPr/>
-                    <a:lstStyle/>
-                    <a:p>
-                      <a:pPr algn="ctr"/>
-                      <a:r>
-                        <a:rPr lang="en-US" dirty="0">
-                          <a:solidFill>
-                            <a:schemeClr val="tx1"/>
-                          </a:solidFill>
-                          <a:latin typeface="Raleway" panose="020B0604020202020204" charset="0"/>
-                        </a:rPr>
-                        <a:t>2</a:t>
-                      </a:r>
+                      <a:endParaRPr lang="en-US" dirty="0">
+                        <a:solidFill>
+                          <a:schemeClr val="tx1"/>
+                        </a:solidFill>
+                        <a:latin typeface="Raleway" panose="020B0604020202020204" charset="0"/>
+                      </a:endParaRPr>
                     </a:p>
                   </a:txBody>
                   <a:tcPr>
@@ -11729,16 +11656,22 @@
                       <a:r>
                         <a:rPr lang="es-VE" b="1" dirty="0">
                           <a:solidFill>
-                            <a:srgbClr val="F7B617"/>
+                            <a:srgbClr val="FFFF00"/>
                           </a:solidFill>
+                          <a:highlight>
+                            <a:srgbClr val="FFFF00"/>
+                          </a:highlight>
                           <a:latin typeface="Raleway" panose="020B0604020202020204" charset="0"/>
                         </a:rPr>
                         <a:t>X</a:t>
                       </a:r>
                       <a:endParaRPr lang="en-US" b="1" dirty="0">
                         <a:solidFill>
-                          <a:srgbClr val="F7B617"/>
+                          <a:srgbClr val="FFFF00"/>
                         </a:solidFill>
+                        <a:highlight>
+                          <a:srgbClr val="FFFF00"/>
+                        </a:highlight>
                         <a:latin typeface="Raleway" panose="020B0604020202020204" charset="0"/>
                       </a:endParaRPr>
                     </a:p>
@@ -11780,7 +11713,9 @@
                       <a:headEnd type="none" w="med" len="med"/>
                       <a:tailEnd type="none" w="med" len="med"/>
                     </a:lnB>
-                    <a:noFill/>
+                    <a:solidFill>
+                      <a:srgbClr val="FFFF00"/>
+                    </a:solidFill>
                   </a:tcPr>
                 </a:tc>
                 <a:tc>
@@ -11790,242 +11725,20 @@
                     <a:p>
                       <a:pPr algn="ctr"/>
                       <a:r>
-                        <a:rPr lang="en-US" dirty="0">
+                        <a:rPr lang="es-VE" dirty="0">
                           <a:solidFill>
                             <a:schemeClr val="tx1"/>
                           </a:solidFill>
                           <a:latin typeface="Raleway" panose="020B0604020202020204" charset="0"/>
                         </a:rPr>
-                        <a:t>2</a:t>
+                        <a:t>9</a:t>
                       </a:r>
-                    </a:p>
-                  </a:txBody>
-                  <a:tcPr>
-                    <a:lnL w="12700" cap="flat" cmpd="sng" algn="ctr">
-                      <a:solidFill>
-                        <a:schemeClr val="tx1"/>
-                      </a:solidFill>
-                      <a:prstDash val="solid"/>
-                      <a:round/>
-                      <a:headEnd type="none" w="med" len="med"/>
-                      <a:tailEnd type="none" w="med" len="med"/>
-                    </a:lnL>
-                    <a:lnR w="12700" cap="flat" cmpd="sng" algn="ctr">
-                      <a:solidFill>
-                        <a:schemeClr val="tx1"/>
-                      </a:solidFill>
-                      <a:prstDash val="solid"/>
-                      <a:round/>
-                      <a:headEnd type="none" w="med" len="med"/>
-                      <a:tailEnd type="none" w="med" len="med"/>
-                    </a:lnR>
-                    <a:lnT w="12700" cap="flat" cmpd="sng" algn="ctr">
-                      <a:solidFill>
-                        <a:schemeClr val="tx1"/>
-                      </a:solidFill>
-                      <a:prstDash val="solid"/>
-                      <a:round/>
-                      <a:headEnd type="none" w="med" len="med"/>
-                      <a:tailEnd type="none" w="med" len="med"/>
-                    </a:lnT>
-                    <a:lnB w="12700" cap="flat" cmpd="sng" algn="ctr">
-                      <a:solidFill>
-                        <a:schemeClr val="tx1"/>
-                      </a:solidFill>
-                      <a:prstDash val="solid"/>
-                      <a:round/>
-                      <a:headEnd type="none" w="med" len="med"/>
-                      <a:tailEnd type="none" w="med" len="med"/>
-                    </a:lnB>
-                    <a:noFill/>
-                  </a:tcPr>
-                </a:tc>
-                <a:tc>
-                  <a:txBody>
-                    <a:bodyPr/>
-                    <a:lstStyle/>
-                    <a:p>
-                      <a:pPr algn="ctr"/>
-                      <a:r>
-                        <a:rPr lang="en-US" dirty="0">
-                          <a:solidFill>
-                            <a:schemeClr val="tx1"/>
-                          </a:solidFill>
-                          <a:latin typeface="Raleway" panose="020B0604020202020204" charset="0"/>
-                        </a:rPr>
-                        <a:t>2</a:t>
-                      </a:r>
-                    </a:p>
-                  </a:txBody>
-                  <a:tcPr>
-                    <a:lnL w="12700" cap="flat" cmpd="sng" algn="ctr">
-                      <a:solidFill>
-                        <a:schemeClr val="tx1"/>
-                      </a:solidFill>
-                      <a:prstDash val="solid"/>
-                      <a:round/>
-                      <a:headEnd type="none" w="med" len="med"/>
-                      <a:tailEnd type="none" w="med" len="med"/>
-                    </a:lnL>
-                    <a:lnR w="12700" cap="flat" cmpd="sng" algn="ctr">
-                      <a:solidFill>
-                        <a:schemeClr val="tx1"/>
-                      </a:solidFill>
-                      <a:prstDash val="solid"/>
-                      <a:round/>
-                      <a:headEnd type="none" w="med" len="med"/>
-                      <a:tailEnd type="none" w="med" len="med"/>
-                    </a:lnR>
-                    <a:lnT w="12700" cap="flat" cmpd="sng" algn="ctr">
-                      <a:solidFill>
-                        <a:schemeClr val="tx1"/>
-                      </a:solidFill>
-                      <a:prstDash val="solid"/>
-                      <a:round/>
-                      <a:headEnd type="none" w="med" len="med"/>
-                      <a:tailEnd type="none" w="med" len="med"/>
-                    </a:lnT>
-                    <a:lnB w="12700" cap="flat" cmpd="sng" algn="ctr">
-                      <a:solidFill>
-                        <a:schemeClr val="tx1"/>
-                      </a:solidFill>
-                      <a:prstDash val="solid"/>
-                      <a:round/>
-                      <a:headEnd type="none" w="med" len="med"/>
-                      <a:tailEnd type="none" w="med" len="med"/>
-                    </a:lnB>
-                    <a:noFill/>
-                  </a:tcPr>
-                </a:tc>
-                <a:tc>
-                  <a:txBody>
-                    <a:bodyPr/>
-                    <a:lstStyle/>
-                    <a:p>
-                      <a:pPr algn="ctr"/>
-                      <a:r>
-                        <a:rPr lang="en-US" dirty="0">
-                          <a:solidFill>
-                            <a:schemeClr val="tx1"/>
-                          </a:solidFill>
-                          <a:latin typeface="Raleway" panose="020B0604020202020204" charset="0"/>
-                        </a:rPr>
-                        <a:t>3</a:t>
-                      </a:r>
-                    </a:p>
-                  </a:txBody>
-                  <a:tcPr>
-                    <a:lnL w="12700" cap="flat" cmpd="sng" algn="ctr">
-                      <a:solidFill>
-                        <a:schemeClr val="tx1"/>
-                      </a:solidFill>
-                      <a:prstDash val="solid"/>
-                      <a:round/>
-                      <a:headEnd type="none" w="med" len="med"/>
-                      <a:tailEnd type="none" w="med" len="med"/>
-                    </a:lnL>
-                    <a:lnR w="12700" cap="flat" cmpd="sng" algn="ctr">
-                      <a:solidFill>
-                        <a:schemeClr val="tx1"/>
-                      </a:solidFill>
-                      <a:prstDash val="solid"/>
-                      <a:round/>
-                      <a:headEnd type="none" w="med" len="med"/>
-                      <a:tailEnd type="none" w="med" len="med"/>
-                    </a:lnR>
-                    <a:lnT w="12700" cap="flat" cmpd="sng" algn="ctr">
-                      <a:solidFill>
-                        <a:schemeClr val="tx1"/>
-                      </a:solidFill>
-                      <a:prstDash val="solid"/>
-                      <a:round/>
-                      <a:headEnd type="none" w="med" len="med"/>
-                      <a:tailEnd type="none" w="med" len="med"/>
-                    </a:lnT>
-                    <a:lnB w="12700" cap="flat" cmpd="sng" algn="ctr">
-                      <a:solidFill>
-                        <a:schemeClr val="tx1"/>
-                      </a:solidFill>
-                      <a:prstDash val="solid"/>
-                      <a:round/>
-                      <a:headEnd type="none" w="med" len="med"/>
-                      <a:tailEnd type="none" w="med" len="med"/>
-                    </a:lnB>
-                    <a:noFill/>
-                  </a:tcPr>
-                </a:tc>
-                <a:tc>
-                  <a:txBody>
-                    <a:bodyPr/>
-                    <a:lstStyle/>
-                    <a:p>
-                      <a:pPr algn="ctr"/>
-                      <a:r>
-                        <a:rPr lang="en-US" dirty="0">
-                          <a:solidFill>
-                            <a:schemeClr val="tx1"/>
-                          </a:solidFill>
-                          <a:latin typeface="Raleway" panose="020B0604020202020204" charset="0"/>
-                        </a:rPr>
-                        <a:t>4</a:t>
-                      </a:r>
-                    </a:p>
-                  </a:txBody>
-                  <a:tcPr>
-                    <a:lnL w="12700" cap="flat" cmpd="sng" algn="ctr">
-                      <a:solidFill>
-                        <a:schemeClr val="tx1"/>
-                      </a:solidFill>
-                      <a:prstDash val="solid"/>
-                      <a:round/>
-                      <a:headEnd type="none" w="med" len="med"/>
-                      <a:tailEnd type="none" w="med" len="med"/>
-                    </a:lnL>
-                    <a:lnR w="12700" cap="flat" cmpd="sng" algn="ctr">
-                      <a:solidFill>
-                        <a:schemeClr val="tx1"/>
-                      </a:solidFill>
-                      <a:prstDash val="solid"/>
-                      <a:round/>
-                      <a:headEnd type="none" w="med" len="med"/>
-                      <a:tailEnd type="none" w="med" len="med"/>
-                    </a:lnR>
-                    <a:lnT w="12700" cap="flat" cmpd="sng" algn="ctr">
-                      <a:solidFill>
-                        <a:schemeClr val="tx1"/>
-                      </a:solidFill>
-                      <a:prstDash val="solid"/>
-                      <a:round/>
-                      <a:headEnd type="none" w="med" len="med"/>
-                      <a:tailEnd type="none" w="med" len="med"/>
-                    </a:lnT>
-                    <a:lnB w="12700" cap="flat" cmpd="sng" algn="ctr">
-                      <a:solidFill>
-                        <a:schemeClr val="tx1"/>
-                      </a:solidFill>
-                      <a:prstDash val="solid"/>
-                      <a:round/>
-                      <a:headEnd type="none" w="med" len="med"/>
-                      <a:tailEnd type="none" w="med" len="med"/>
-                    </a:lnB>
-                    <a:noFill/>
-                  </a:tcPr>
-                </a:tc>
-                <a:tc>
-                  <a:txBody>
-                    <a:bodyPr/>
-                    <a:lstStyle/>
-                    <a:p>
-                      <a:pPr algn="ctr"/>
-                      <a:r>
-                        <a:rPr lang="en-US" dirty="0">
-                          <a:solidFill>
-                            <a:schemeClr val="tx1"/>
-                          </a:solidFill>
-                          <a:latin typeface="Raleway" panose="020B0604020202020204" charset="0"/>
-                        </a:rPr>
-                        <a:t>5</a:t>
-                      </a:r>
+                      <a:endParaRPr lang="en-US" dirty="0">
+                        <a:solidFill>
+                          <a:schemeClr val="tx1"/>
+                        </a:solidFill>
+                        <a:latin typeface="Raleway" panose="020B0604020202020204" charset="0"/>
+                      </a:endParaRPr>
                     </a:p>
                   </a:txBody>
                   <a:tcPr>
@@ -12135,7 +11848,9 @@
                       <a:headEnd type="none" w="med" len="med"/>
                       <a:tailEnd type="none" w="med" len="med"/>
                     </a:lnB>
-                    <a:noFill/>
+                    <a:solidFill>
+                      <a:srgbClr val="FF0000"/>
+                    </a:solidFill>
                   </a:tcPr>
                 </a:tc>
                 <a:tc>
@@ -12145,121 +11860,7 @@
                     <a:p>
                       <a:pPr algn="ctr"/>
                       <a:r>
-                        <a:rPr lang="en-US" dirty="0">
-                          <a:solidFill>
-                            <a:schemeClr val="tx1"/>
-                          </a:solidFill>
-                          <a:latin typeface="Raleway" panose="020B0604020202020204" charset="0"/>
-                        </a:rPr>
-                        <a:t>1</a:t>
-                      </a:r>
-                    </a:p>
-                  </a:txBody>
-                  <a:tcPr>
-                    <a:lnL w="12700" cap="flat" cmpd="sng" algn="ctr">
-                      <a:solidFill>
-                        <a:schemeClr val="tx1"/>
-                      </a:solidFill>
-                      <a:prstDash val="solid"/>
-                      <a:round/>
-                      <a:headEnd type="none" w="med" len="med"/>
-                      <a:tailEnd type="none" w="med" len="med"/>
-                    </a:lnL>
-                    <a:lnR w="12700" cap="flat" cmpd="sng" algn="ctr">
-                      <a:solidFill>
-                        <a:schemeClr val="tx1"/>
-                      </a:solidFill>
-                      <a:prstDash val="solid"/>
-                      <a:round/>
-                      <a:headEnd type="none" w="med" len="med"/>
-                      <a:tailEnd type="none" w="med" len="med"/>
-                    </a:lnR>
-                    <a:lnT w="12700" cap="flat" cmpd="sng" algn="ctr">
-                      <a:solidFill>
-                        <a:schemeClr val="tx1"/>
-                      </a:solidFill>
-                      <a:prstDash val="solid"/>
-                      <a:round/>
-                      <a:headEnd type="none" w="med" len="med"/>
-                      <a:tailEnd type="none" w="med" len="med"/>
-                    </a:lnT>
-                    <a:lnB w="12700" cap="flat" cmpd="sng" algn="ctr">
-                      <a:solidFill>
-                        <a:schemeClr val="tx1"/>
-                      </a:solidFill>
-                      <a:prstDash val="solid"/>
-                      <a:round/>
-                      <a:headEnd type="none" w="med" len="med"/>
-                      <a:tailEnd type="none" w="med" len="med"/>
-                    </a:lnB>
-                    <a:noFill/>
-                  </a:tcPr>
-                </a:tc>
-                <a:tc>
-                  <a:txBody>
-                    <a:bodyPr/>
-                    <a:lstStyle/>
-                    <a:p>
-                      <a:pPr algn="ctr"/>
-                      <a:r>
-                        <a:rPr lang="en-US" dirty="0">
-                          <a:solidFill>
-                            <a:schemeClr val="tx1"/>
-                          </a:solidFill>
-                          <a:latin typeface="Raleway" panose="020B0604020202020204" charset="0"/>
-                        </a:rPr>
-                        <a:t>2</a:t>
-                      </a:r>
-                    </a:p>
-                  </a:txBody>
-                  <a:tcPr>
-                    <a:lnL w="12700" cap="flat" cmpd="sng" algn="ctr">
-                      <a:solidFill>
-                        <a:schemeClr val="tx1"/>
-                      </a:solidFill>
-                      <a:prstDash val="solid"/>
-                      <a:round/>
-                      <a:headEnd type="none" w="med" len="med"/>
-                      <a:tailEnd type="none" w="med" len="med"/>
-                    </a:lnL>
-                    <a:lnR w="12700" cap="flat" cmpd="sng" algn="ctr">
-                      <a:solidFill>
-                        <a:schemeClr val="tx1"/>
-                      </a:solidFill>
-                      <a:prstDash val="solid"/>
-                      <a:round/>
-                      <a:headEnd type="none" w="med" len="med"/>
-                      <a:tailEnd type="none" w="med" len="med"/>
-                    </a:lnR>
-                    <a:lnT w="12700" cap="flat" cmpd="sng" algn="ctr">
-                      <a:solidFill>
-                        <a:schemeClr val="tx1"/>
-                      </a:solidFill>
-                      <a:prstDash val="solid"/>
-                      <a:round/>
-                      <a:headEnd type="none" w="med" len="med"/>
-                      <a:tailEnd type="none" w="med" len="med"/>
-                    </a:lnT>
-                    <a:lnB w="12700" cap="flat" cmpd="sng" algn="ctr">
-                      <a:solidFill>
-                        <a:schemeClr val="tx1"/>
-                      </a:solidFill>
-                      <a:prstDash val="solid"/>
-                      <a:round/>
-                      <a:headEnd type="none" w="med" len="med"/>
-                      <a:tailEnd type="none" w="med" len="med"/>
-                    </a:lnB>
-                    <a:noFill/>
-                  </a:tcPr>
-                </a:tc>
-                <a:tc>
-                  <a:txBody>
-                    <a:bodyPr/>
-                    <a:lstStyle/>
-                    <a:p>
-                      <a:pPr algn="ctr"/>
-                      <a:r>
-                        <a:rPr lang="en-US" dirty="0">
+                        <a:rPr lang="es-VE" dirty="0">
                           <a:solidFill>
                             <a:schemeClr val="tx1"/>
                           </a:solidFill>
@@ -12267,120 +11868,12 @@
                         </a:rPr>
                         <a:t>3</a:t>
                       </a:r>
-                    </a:p>
-                  </a:txBody>
-                  <a:tcPr>
-                    <a:lnL w="12700" cap="flat" cmpd="sng" algn="ctr">
-                      <a:solidFill>
-                        <a:schemeClr val="tx1"/>
-                      </a:solidFill>
-                      <a:prstDash val="solid"/>
-                      <a:round/>
-                      <a:headEnd type="none" w="med" len="med"/>
-                      <a:tailEnd type="none" w="med" len="med"/>
-                    </a:lnL>
-                    <a:lnR w="12700" cap="flat" cmpd="sng" algn="ctr">
-                      <a:solidFill>
-                        <a:schemeClr val="tx1"/>
-                      </a:solidFill>
-                      <a:prstDash val="solid"/>
-                      <a:round/>
-                      <a:headEnd type="none" w="med" len="med"/>
-                      <a:tailEnd type="none" w="med" len="med"/>
-                    </a:lnR>
-                    <a:lnT w="12700" cap="flat" cmpd="sng" algn="ctr">
-                      <a:solidFill>
-                        <a:schemeClr val="tx1"/>
-                      </a:solidFill>
-                      <a:prstDash val="solid"/>
-                      <a:round/>
-                      <a:headEnd type="none" w="med" len="med"/>
-                      <a:tailEnd type="none" w="med" len="med"/>
-                    </a:lnT>
-                    <a:lnB w="12700" cap="flat" cmpd="sng" algn="ctr">
-                      <a:solidFill>
-                        <a:schemeClr val="tx1"/>
-                      </a:solidFill>
-                      <a:prstDash val="solid"/>
-                      <a:round/>
-                      <a:headEnd type="none" w="med" len="med"/>
-                      <a:tailEnd type="none" w="med" len="med"/>
-                    </a:lnB>
-                    <a:noFill/>
-                  </a:tcPr>
-                </a:tc>
-                <a:tc>
-                  <a:txBody>
-                    <a:bodyPr/>
-                    <a:lstStyle/>
-                    <a:p>
-                      <a:pPr algn="ctr"/>
-                      <a:r>
-                        <a:rPr lang="en-US" dirty="0">
-                          <a:solidFill>
-                            <a:schemeClr val="tx1"/>
-                          </a:solidFill>
-                          <a:latin typeface="Raleway" panose="020B0604020202020204" charset="0"/>
-                        </a:rPr>
-                        <a:t>3</a:t>
-                      </a:r>
-                    </a:p>
-                  </a:txBody>
-                  <a:tcPr>
-                    <a:lnL w="12700" cap="flat" cmpd="sng" algn="ctr">
-                      <a:solidFill>
-                        <a:schemeClr val="tx1"/>
-                      </a:solidFill>
-                      <a:prstDash val="solid"/>
-                      <a:round/>
-                      <a:headEnd type="none" w="med" len="med"/>
-                      <a:tailEnd type="none" w="med" len="med"/>
-                    </a:lnL>
-                    <a:lnR w="12700" cap="flat" cmpd="sng" algn="ctr">
-                      <a:solidFill>
-                        <a:schemeClr val="tx1"/>
-                      </a:solidFill>
-                      <a:prstDash val="solid"/>
-                      <a:round/>
-                      <a:headEnd type="none" w="med" len="med"/>
-                      <a:tailEnd type="none" w="med" len="med"/>
-                    </a:lnR>
-                    <a:lnT w="12700" cap="flat" cmpd="sng" algn="ctr">
-                      <a:solidFill>
-                        <a:schemeClr val="tx1"/>
-                      </a:solidFill>
-                      <a:prstDash val="solid"/>
-                      <a:round/>
-                      <a:headEnd type="none" w="med" len="med"/>
-                      <a:tailEnd type="none" w="med" len="med"/>
-                    </a:lnT>
-                    <a:lnB w="12700" cap="flat" cmpd="sng" algn="ctr">
-                      <a:solidFill>
-                        <a:schemeClr val="tx1"/>
-                      </a:solidFill>
-                      <a:prstDash val="solid"/>
-                      <a:round/>
-                      <a:headEnd type="none" w="med" len="med"/>
-                      <a:tailEnd type="none" w="med" len="med"/>
-                    </a:lnB>
-                    <a:noFill/>
-                  </a:tcPr>
-                </a:tc>
-                <a:tc>
-                  <a:txBody>
-                    <a:bodyPr/>
-                    <a:lstStyle/>
-                    <a:p>
-                      <a:pPr algn="ctr"/>
-                      <a:r>
-                        <a:rPr lang="en-US" dirty="0">
-                          <a:solidFill>
-                            <a:schemeClr val="tx1"/>
-                          </a:solidFill>
-                          <a:latin typeface="Raleway" panose="020B0604020202020204" charset="0"/>
-                        </a:rPr>
-                        <a:t>3</a:t>
-                      </a:r>
+                      <a:endParaRPr lang="en-US" dirty="0">
+                        <a:solidFill>
+                          <a:schemeClr val="tx1"/>
+                        </a:solidFill>
+                        <a:latin typeface="Raleway" panose="020B0604020202020204" charset="0"/>
+                      </a:endParaRPr>
                     </a:p>
                   </a:txBody>
                   <a:tcPr>
@@ -12433,10 +11926,1504 @@
           </a:graphicData>
         </a:graphic>
       </p:graphicFrame>
+      <p:sp>
+        <p:nvSpPr>
+          <p:cNvPr id="23" name="Rectangle 22">
+            <a:extLst>
+              <a:ext uri="{FF2B5EF4-FFF2-40B4-BE49-F238E27FC236}">
+                <a16:creationId xmlns:a16="http://schemas.microsoft.com/office/drawing/2014/main" id="{5E596C45-5BB9-4C41-834D-09F4C3F48EBB}"/>
+              </a:ext>
+            </a:extLst>
+          </p:cNvPr>
+          <p:cNvSpPr/>
+          <p:nvPr/>
+        </p:nvSpPr>
+        <p:spPr>
+          <a:xfrm>
+            <a:off x="2076126" y="5929963"/>
+            <a:ext cx="282215" cy="273377"/>
+          </a:xfrm>
+          <a:prstGeom prst="rect">
+            <a:avLst/>
+          </a:prstGeom>
+          <a:solidFill>
+            <a:srgbClr val="FF0000"/>
+          </a:solidFill>
+          <a:ln>
+            <a:solidFill>
+              <a:srgbClr val="2B2B2B"/>
+            </a:solidFill>
+          </a:ln>
+        </p:spPr>
+        <p:style>
+          <a:lnRef idx="2">
+            <a:schemeClr val="accent3">
+              <a:shade val="50000"/>
+            </a:schemeClr>
+          </a:lnRef>
+          <a:fillRef idx="1">
+            <a:schemeClr val="accent3"/>
+          </a:fillRef>
+          <a:effectRef idx="0">
+            <a:schemeClr val="accent3"/>
+          </a:effectRef>
+          <a:fontRef idx="minor">
+            <a:schemeClr val="lt1"/>
+          </a:fontRef>
+        </p:style>
+        <p:txBody>
+          <a:bodyPr rtlCol="0" anchor="ctr"/>
+          <a:lstStyle/>
+          <a:p>
+            <a:pPr algn="ctr"/>
+            <a:endParaRPr lang="en-US"/>
+          </a:p>
+        </p:txBody>
+      </p:sp>
+      <p:sp>
+        <p:nvSpPr>
+          <p:cNvPr id="24" name="Rectangle 23">
+            <a:extLst>
+              <a:ext uri="{FF2B5EF4-FFF2-40B4-BE49-F238E27FC236}">
+                <a16:creationId xmlns:a16="http://schemas.microsoft.com/office/drawing/2014/main" id="{1AAA88AB-A152-4912-857D-6E08110C292E}"/>
+              </a:ext>
+            </a:extLst>
+          </p:cNvPr>
+          <p:cNvSpPr/>
+          <p:nvPr/>
+        </p:nvSpPr>
+        <p:spPr>
+          <a:xfrm>
+            <a:off x="2195767" y="5665370"/>
+            <a:ext cx="282215" cy="273377"/>
+          </a:xfrm>
+          <a:prstGeom prst="rect">
+            <a:avLst/>
+          </a:prstGeom>
+          <a:solidFill>
+            <a:srgbClr val="FF0000"/>
+          </a:solidFill>
+          <a:ln>
+            <a:solidFill>
+              <a:srgbClr val="2B2B2B"/>
+            </a:solidFill>
+          </a:ln>
+        </p:spPr>
+        <p:style>
+          <a:lnRef idx="2">
+            <a:schemeClr val="accent3">
+              <a:shade val="50000"/>
+            </a:schemeClr>
+          </a:lnRef>
+          <a:fillRef idx="1">
+            <a:schemeClr val="accent3"/>
+          </a:fillRef>
+          <a:effectRef idx="0">
+            <a:schemeClr val="accent3"/>
+          </a:effectRef>
+          <a:fontRef idx="minor">
+            <a:schemeClr val="lt1"/>
+          </a:fontRef>
+        </p:style>
+        <p:txBody>
+          <a:bodyPr rtlCol="0" anchor="ctr"/>
+          <a:lstStyle/>
+          <a:p>
+            <a:pPr algn="ctr"/>
+            <a:endParaRPr lang="en-US"/>
+          </a:p>
+        </p:txBody>
+      </p:sp>
+      <p:sp>
+        <p:nvSpPr>
+          <p:cNvPr id="20" name="TextBox 19">
+            <a:extLst>
+              <a:ext uri="{FF2B5EF4-FFF2-40B4-BE49-F238E27FC236}">
+                <a16:creationId xmlns:a16="http://schemas.microsoft.com/office/drawing/2014/main" id="{1C0D0BA3-4CF8-4C2D-A94C-1193C073AAB3}"/>
+              </a:ext>
+            </a:extLst>
+          </p:cNvPr>
+          <p:cNvSpPr txBox="1"/>
+          <p:nvPr/>
+        </p:nvSpPr>
+        <p:spPr>
+          <a:xfrm>
+            <a:off x="2697707" y="5530159"/>
+            <a:ext cx="220286" cy="307777"/>
+          </a:xfrm>
+          <a:prstGeom prst="rect">
+            <a:avLst/>
+          </a:prstGeom>
+          <a:noFill/>
+        </p:spPr>
+        <p:txBody>
+          <a:bodyPr wrap="square" rtlCol="0">
+            <a:spAutoFit/>
+          </a:bodyPr>
+          <a:lstStyle/>
+          <a:p>
+            <a:r>
+              <a:rPr lang="es-VE" dirty="0">
+                <a:latin typeface="Raleway" panose="020B0604020202020204" charset="0"/>
+              </a:rPr>
+              <a:t>4</a:t>
+            </a:r>
+          </a:p>
+        </p:txBody>
+      </p:sp>
+      <p:sp>
+        <p:nvSpPr>
+          <p:cNvPr id="3" name="Rectangle 2">
+            <a:extLst>
+              <a:ext uri="{FF2B5EF4-FFF2-40B4-BE49-F238E27FC236}">
+                <a16:creationId xmlns:a16="http://schemas.microsoft.com/office/drawing/2014/main" id="{E73A016D-3960-48F0-A9EC-8B16E4123376}"/>
+              </a:ext>
+            </a:extLst>
+          </p:cNvPr>
+          <p:cNvSpPr/>
+          <p:nvPr/>
+        </p:nvSpPr>
+        <p:spPr>
+          <a:xfrm>
+            <a:off x="2008254" y="5475952"/>
+            <a:ext cx="1102442" cy="925590"/>
+          </a:xfrm>
+          <a:prstGeom prst="rect">
+            <a:avLst/>
+          </a:prstGeom>
+          <a:noFill/>
+          <a:ln>
+            <a:solidFill>
+              <a:schemeClr val="tx1"/>
+            </a:solidFill>
+            <a:prstDash val="sysDot"/>
+          </a:ln>
+        </p:spPr>
+        <p:style>
+          <a:lnRef idx="2">
+            <a:schemeClr val="accent1">
+              <a:shade val="50000"/>
+            </a:schemeClr>
+          </a:lnRef>
+          <a:fillRef idx="1">
+            <a:schemeClr val="accent1"/>
+          </a:fillRef>
+          <a:effectRef idx="0">
+            <a:schemeClr val="accent1"/>
+          </a:effectRef>
+          <a:fontRef idx="minor">
+            <a:schemeClr val="lt1"/>
+          </a:fontRef>
+        </p:style>
+        <p:txBody>
+          <a:bodyPr rtlCol="0" anchor="ctr"/>
+          <a:lstStyle/>
+          <a:p>
+            <a:pPr algn="ctr"/>
+            <a:endParaRPr lang="en-US"/>
+          </a:p>
+        </p:txBody>
+      </p:sp>
+      <p:sp>
+        <p:nvSpPr>
+          <p:cNvPr id="26" name="TextBox 25">
+            <a:extLst>
+              <a:ext uri="{FF2B5EF4-FFF2-40B4-BE49-F238E27FC236}">
+                <a16:creationId xmlns:a16="http://schemas.microsoft.com/office/drawing/2014/main" id="{FB769A4F-95C7-467E-945A-564D7B8698C3}"/>
+              </a:ext>
+            </a:extLst>
+          </p:cNvPr>
+          <p:cNvSpPr txBox="1"/>
+          <p:nvPr/>
+        </p:nvSpPr>
+        <p:spPr>
+          <a:xfrm flipH="1">
+            <a:off x="359667" y="6323710"/>
+            <a:ext cx="1239623" cy="523220"/>
+          </a:xfrm>
+          <a:prstGeom prst="rect">
+            <a:avLst/>
+          </a:prstGeom>
+          <a:noFill/>
+        </p:spPr>
+        <p:txBody>
+          <a:bodyPr wrap="square" rtlCol="0">
+            <a:spAutoFit/>
+          </a:bodyPr>
+          <a:lstStyle/>
+          <a:p>
+            <a:pPr algn="ctr"/>
+            <a:r>
+              <a:rPr lang="es-VE" dirty="0">
+                <a:latin typeface="Raleway" panose="020B0604020202020204" charset="0"/>
+              </a:rPr>
+              <a:t>A la izquierda</a:t>
+            </a:r>
+            <a:endParaRPr lang="en-US" dirty="0">
+              <a:latin typeface="Raleway" panose="020B0604020202020204" charset="0"/>
+            </a:endParaRPr>
+          </a:p>
+        </p:txBody>
+      </p:sp>
+      <p:sp>
+        <p:nvSpPr>
+          <p:cNvPr id="27" name="TextBox 26">
+            <a:extLst>
+              <a:ext uri="{FF2B5EF4-FFF2-40B4-BE49-F238E27FC236}">
+                <a16:creationId xmlns:a16="http://schemas.microsoft.com/office/drawing/2014/main" id="{59BAF13A-DF8E-4CAA-B596-5414653F65D2}"/>
+              </a:ext>
+            </a:extLst>
+          </p:cNvPr>
+          <p:cNvSpPr txBox="1"/>
+          <p:nvPr/>
+        </p:nvSpPr>
+        <p:spPr>
+          <a:xfrm rot="16200000" flipH="1">
+            <a:off x="-284801" y="5501189"/>
+            <a:ext cx="1141226" cy="523220"/>
+          </a:xfrm>
+          <a:prstGeom prst="rect">
+            <a:avLst/>
+          </a:prstGeom>
+          <a:noFill/>
+        </p:spPr>
+        <p:txBody>
+          <a:bodyPr wrap="square" rtlCol="0">
+            <a:spAutoFit/>
+          </a:bodyPr>
+          <a:lstStyle/>
+          <a:p>
+            <a:pPr algn="ctr"/>
+            <a:r>
+              <a:rPr lang="es-VE" dirty="0">
+                <a:latin typeface="Raleway" panose="020B0604020202020204" charset="0"/>
+              </a:rPr>
+              <a:t>Hacia</a:t>
+            </a:r>
+          </a:p>
+          <a:p>
+            <a:pPr algn="ctr"/>
+            <a:r>
+              <a:rPr lang="es-VE" dirty="0">
+                <a:latin typeface="Raleway" panose="020B0604020202020204" charset="0"/>
+              </a:rPr>
+              <a:t> Abajo</a:t>
+            </a:r>
+            <a:endParaRPr lang="en-US" dirty="0">
+              <a:latin typeface="Raleway" panose="020B0604020202020204" charset="0"/>
+            </a:endParaRPr>
+          </a:p>
+        </p:txBody>
+      </p:sp>
+      <p:sp>
+        <p:nvSpPr>
+          <p:cNvPr id="28" name="Rectangle 27">
+            <a:extLst>
+              <a:ext uri="{FF2B5EF4-FFF2-40B4-BE49-F238E27FC236}">
+                <a16:creationId xmlns:a16="http://schemas.microsoft.com/office/drawing/2014/main" id="{3C146151-1477-42B1-AC4E-C56E94CB48D2}"/>
+              </a:ext>
+            </a:extLst>
+          </p:cNvPr>
+          <p:cNvSpPr/>
+          <p:nvPr/>
+        </p:nvSpPr>
+        <p:spPr>
+          <a:xfrm>
+            <a:off x="1835389" y="5137549"/>
+            <a:ext cx="282215" cy="273377"/>
+          </a:xfrm>
+          <a:prstGeom prst="rect">
+            <a:avLst/>
+          </a:prstGeom>
+          <a:ln>
+            <a:solidFill>
+              <a:srgbClr val="2B2B2B"/>
+            </a:solidFill>
+          </a:ln>
+        </p:spPr>
+        <p:style>
+          <a:lnRef idx="2">
+            <a:schemeClr val="accent3">
+              <a:shade val="50000"/>
+            </a:schemeClr>
+          </a:lnRef>
+          <a:fillRef idx="1">
+            <a:schemeClr val="accent3"/>
+          </a:fillRef>
+          <a:effectRef idx="0">
+            <a:schemeClr val="accent3"/>
+          </a:effectRef>
+          <a:fontRef idx="minor">
+            <a:schemeClr val="lt1"/>
+          </a:fontRef>
+        </p:style>
+        <p:txBody>
+          <a:bodyPr rtlCol="0" anchor="ctr"/>
+          <a:lstStyle/>
+          <a:p>
+            <a:pPr algn="ctr"/>
+            <a:endParaRPr lang="en-US"/>
+          </a:p>
+        </p:txBody>
+      </p:sp>
+      <p:sp>
+        <p:nvSpPr>
+          <p:cNvPr id="29" name="Rectangle 28">
+            <a:extLst>
+              <a:ext uri="{FF2B5EF4-FFF2-40B4-BE49-F238E27FC236}">
+                <a16:creationId xmlns:a16="http://schemas.microsoft.com/office/drawing/2014/main" id="{075F8842-6432-4697-ACF4-8AF7B2D72698}"/>
+              </a:ext>
+            </a:extLst>
+          </p:cNvPr>
+          <p:cNvSpPr/>
+          <p:nvPr/>
+        </p:nvSpPr>
+        <p:spPr>
+          <a:xfrm>
+            <a:off x="2127612" y="4989318"/>
+            <a:ext cx="282215" cy="273377"/>
+          </a:xfrm>
+          <a:prstGeom prst="rect">
+            <a:avLst/>
+          </a:prstGeom>
+          <a:ln>
+            <a:solidFill>
+              <a:srgbClr val="2B2B2B"/>
+            </a:solidFill>
+          </a:ln>
+        </p:spPr>
+        <p:style>
+          <a:lnRef idx="2">
+            <a:schemeClr val="accent3">
+              <a:shade val="50000"/>
+            </a:schemeClr>
+          </a:lnRef>
+          <a:fillRef idx="1">
+            <a:schemeClr val="accent3"/>
+          </a:fillRef>
+          <a:effectRef idx="0">
+            <a:schemeClr val="accent3"/>
+          </a:effectRef>
+          <a:fontRef idx="minor">
+            <a:schemeClr val="lt1"/>
+          </a:fontRef>
+        </p:style>
+        <p:txBody>
+          <a:bodyPr rtlCol="0" anchor="ctr"/>
+          <a:lstStyle/>
+          <a:p>
+            <a:pPr algn="ctr"/>
+            <a:endParaRPr lang="en-US"/>
+          </a:p>
+        </p:txBody>
+      </p:sp>
+      <p:sp>
+        <p:nvSpPr>
+          <p:cNvPr id="30" name="Rectangle 29">
+            <a:extLst>
+              <a:ext uri="{FF2B5EF4-FFF2-40B4-BE49-F238E27FC236}">
+                <a16:creationId xmlns:a16="http://schemas.microsoft.com/office/drawing/2014/main" id="{51D7EF2C-4052-4611-93BB-010A7C3A987B}"/>
+              </a:ext>
+            </a:extLst>
+          </p:cNvPr>
+          <p:cNvSpPr/>
+          <p:nvPr/>
+        </p:nvSpPr>
+        <p:spPr>
+          <a:xfrm>
+            <a:off x="1801339" y="4510712"/>
+            <a:ext cx="663772" cy="914414"/>
+          </a:xfrm>
+          <a:prstGeom prst="rect">
+            <a:avLst/>
+          </a:prstGeom>
+          <a:noFill/>
+          <a:ln>
+            <a:solidFill>
+              <a:schemeClr val="tx1"/>
+            </a:solidFill>
+            <a:prstDash val="sysDot"/>
+          </a:ln>
+        </p:spPr>
+        <p:style>
+          <a:lnRef idx="2">
+            <a:schemeClr val="accent1">
+              <a:shade val="50000"/>
+            </a:schemeClr>
+          </a:lnRef>
+          <a:fillRef idx="1">
+            <a:schemeClr val="accent1"/>
+          </a:fillRef>
+          <a:effectRef idx="0">
+            <a:schemeClr val="accent1"/>
+          </a:effectRef>
+          <a:fontRef idx="minor">
+            <a:schemeClr val="lt1"/>
+          </a:fontRef>
+        </p:style>
+        <p:txBody>
+          <a:bodyPr rtlCol="0" anchor="ctr"/>
+          <a:lstStyle/>
+          <a:p>
+            <a:pPr algn="ctr"/>
+            <a:endParaRPr lang="en-US"/>
+          </a:p>
+        </p:txBody>
+      </p:sp>
+      <p:sp>
+        <p:nvSpPr>
+          <p:cNvPr id="31" name="Rectangle 30">
+            <a:extLst>
+              <a:ext uri="{FF2B5EF4-FFF2-40B4-BE49-F238E27FC236}">
+                <a16:creationId xmlns:a16="http://schemas.microsoft.com/office/drawing/2014/main" id="{F8BBC69A-38D9-4314-AE19-EAA7CCDD4D3E}"/>
+              </a:ext>
+            </a:extLst>
+          </p:cNvPr>
+          <p:cNvSpPr/>
+          <p:nvPr/>
+        </p:nvSpPr>
+        <p:spPr>
+          <a:xfrm>
+            <a:off x="928379" y="6000064"/>
+            <a:ext cx="282215" cy="273377"/>
+          </a:xfrm>
+          <a:prstGeom prst="rect">
+            <a:avLst/>
+          </a:prstGeom>
+          <a:solidFill>
+            <a:srgbClr val="0070C0"/>
+          </a:solidFill>
+          <a:ln>
+            <a:solidFill>
+              <a:schemeClr val="tx1"/>
+            </a:solidFill>
+          </a:ln>
+        </p:spPr>
+        <p:style>
+          <a:lnRef idx="2">
+            <a:schemeClr val="accent3">
+              <a:shade val="50000"/>
+            </a:schemeClr>
+          </a:lnRef>
+          <a:fillRef idx="1">
+            <a:schemeClr val="accent3"/>
+          </a:fillRef>
+          <a:effectRef idx="0">
+            <a:schemeClr val="accent3"/>
+          </a:effectRef>
+          <a:fontRef idx="minor">
+            <a:schemeClr val="lt1"/>
+          </a:fontRef>
+        </p:style>
+        <p:txBody>
+          <a:bodyPr rtlCol="0" anchor="ctr"/>
+          <a:lstStyle/>
+          <a:p>
+            <a:pPr algn="ctr"/>
+            <a:endParaRPr lang="en-US"/>
+          </a:p>
+        </p:txBody>
+      </p:sp>
+      <p:sp>
+        <p:nvSpPr>
+          <p:cNvPr id="32" name="Rectangle 31">
+            <a:extLst>
+              <a:ext uri="{FF2B5EF4-FFF2-40B4-BE49-F238E27FC236}">
+                <a16:creationId xmlns:a16="http://schemas.microsoft.com/office/drawing/2014/main" id="{A7876640-9DEE-4606-8FC3-EF578F63887A}"/>
+              </a:ext>
+            </a:extLst>
+          </p:cNvPr>
+          <p:cNvSpPr/>
+          <p:nvPr/>
+        </p:nvSpPr>
+        <p:spPr>
+          <a:xfrm>
+            <a:off x="1400003" y="5716985"/>
+            <a:ext cx="282215" cy="273377"/>
+          </a:xfrm>
+          <a:prstGeom prst="rect">
+            <a:avLst/>
+          </a:prstGeom>
+          <a:solidFill>
+            <a:srgbClr val="0070C0"/>
+          </a:solidFill>
+          <a:ln>
+            <a:solidFill>
+              <a:schemeClr val="tx1"/>
+            </a:solidFill>
+          </a:ln>
+        </p:spPr>
+        <p:style>
+          <a:lnRef idx="2">
+            <a:schemeClr val="accent3">
+              <a:shade val="50000"/>
+            </a:schemeClr>
+          </a:lnRef>
+          <a:fillRef idx="1">
+            <a:schemeClr val="accent3"/>
+          </a:fillRef>
+          <a:effectRef idx="0">
+            <a:schemeClr val="accent3"/>
+          </a:effectRef>
+          <a:fontRef idx="minor">
+            <a:schemeClr val="lt1"/>
+          </a:fontRef>
+        </p:style>
+        <p:txBody>
+          <a:bodyPr rtlCol="0" anchor="ctr"/>
+          <a:lstStyle/>
+          <a:p>
+            <a:pPr algn="ctr"/>
+            <a:endParaRPr lang="en-US"/>
+          </a:p>
+        </p:txBody>
+      </p:sp>
+      <p:sp>
+        <p:nvSpPr>
+          <p:cNvPr id="33" name="Rectangle 32">
+            <a:extLst>
+              <a:ext uri="{FF2B5EF4-FFF2-40B4-BE49-F238E27FC236}">
+                <a16:creationId xmlns:a16="http://schemas.microsoft.com/office/drawing/2014/main" id="{938B999E-D7B9-4C96-99BA-37EEE4C462CE}"/>
+              </a:ext>
+            </a:extLst>
+          </p:cNvPr>
+          <p:cNvSpPr/>
+          <p:nvPr/>
+        </p:nvSpPr>
+        <p:spPr>
+          <a:xfrm>
+            <a:off x="759233" y="5425615"/>
+            <a:ext cx="998716" cy="966941"/>
+          </a:xfrm>
+          <a:prstGeom prst="rect">
+            <a:avLst/>
+          </a:prstGeom>
+          <a:noFill/>
+          <a:ln>
+            <a:solidFill>
+              <a:schemeClr val="tx1"/>
+            </a:solidFill>
+            <a:prstDash val="sysDot"/>
+          </a:ln>
+        </p:spPr>
+        <p:style>
+          <a:lnRef idx="2">
+            <a:schemeClr val="accent1">
+              <a:shade val="50000"/>
+            </a:schemeClr>
+          </a:lnRef>
+          <a:fillRef idx="1">
+            <a:schemeClr val="accent1"/>
+          </a:fillRef>
+          <a:effectRef idx="0">
+            <a:schemeClr val="accent1"/>
+          </a:effectRef>
+          <a:fontRef idx="minor">
+            <a:schemeClr val="lt1"/>
+          </a:fontRef>
+        </p:style>
+        <p:txBody>
+          <a:bodyPr rtlCol="0" anchor="ctr"/>
+          <a:lstStyle/>
+          <a:p>
+            <a:pPr algn="ctr"/>
+            <a:endParaRPr lang="en-US"/>
+          </a:p>
+        </p:txBody>
+      </p:sp>
+      <p:sp>
+        <p:nvSpPr>
+          <p:cNvPr id="34" name="TextBox 33">
+            <a:extLst>
+              <a:ext uri="{FF2B5EF4-FFF2-40B4-BE49-F238E27FC236}">
+                <a16:creationId xmlns:a16="http://schemas.microsoft.com/office/drawing/2014/main" id="{D61AE6C8-2296-47AC-A2C5-CEF3F75426EF}"/>
+              </a:ext>
+            </a:extLst>
+          </p:cNvPr>
+          <p:cNvSpPr txBox="1"/>
+          <p:nvPr/>
+        </p:nvSpPr>
+        <p:spPr>
+          <a:xfrm>
+            <a:off x="1779733" y="5775940"/>
+            <a:ext cx="271598" cy="307777"/>
+          </a:xfrm>
+          <a:prstGeom prst="rect">
+            <a:avLst/>
+          </a:prstGeom>
+          <a:noFill/>
+        </p:spPr>
+        <p:txBody>
+          <a:bodyPr wrap="square" rtlCol="0">
+            <a:spAutoFit/>
+          </a:bodyPr>
+          <a:lstStyle/>
+          <a:p>
+            <a:r>
+              <a:rPr lang="es-VE" dirty="0">
+                <a:latin typeface="Raleway" panose="020B0604020202020204" charset="0"/>
+              </a:rPr>
+              <a:t>2</a:t>
+            </a:r>
+            <a:endParaRPr lang="en-US" dirty="0">
+              <a:latin typeface="Raleway" panose="020B0604020202020204" charset="0"/>
+            </a:endParaRPr>
+          </a:p>
+        </p:txBody>
+      </p:sp>
+      <p:sp>
+        <p:nvSpPr>
+          <p:cNvPr id="35" name="Rectangle 34">
+            <a:extLst>
+              <a:ext uri="{FF2B5EF4-FFF2-40B4-BE49-F238E27FC236}">
+                <a16:creationId xmlns:a16="http://schemas.microsoft.com/office/drawing/2014/main" id="{0EDDA181-E0E7-4422-AFA0-8D978721CDBE}"/>
+              </a:ext>
+            </a:extLst>
+          </p:cNvPr>
+          <p:cNvSpPr/>
+          <p:nvPr/>
+        </p:nvSpPr>
+        <p:spPr>
+          <a:xfrm>
+            <a:off x="622544" y="4214550"/>
+            <a:ext cx="878018" cy="1209457"/>
+          </a:xfrm>
+          <a:prstGeom prst="rect">
+            <a:avLst/>
+          </a:prstGeom>
+          <a:noFill/>
+          <a:ln>
+            <a:solidFill>
+              <a:schemeClr val="tx1"/>
+            </a:solidFill>
+            <a:prstDash val="sysDot"/>
+          </a:ln>
+        </p:spPr>
+        <p:style>
+          <a:lnRef idx="2">
+            <a:schemeClr val="accent1">
+              <a:shade val="50000"/>
+            </a:schemeClr>
+          </a:lnRef>
+          <a:fillRef idx="1">
+            <a:schemeClr val="accent1"/>
+          </a:fillRef>
+          <a:effectRef idx="0">
+            <a:schemeClr val="accent1"/>
+          </a:effectRef>
+          <a:fontRef idx="minor">
+            <a:schemeClr val="lt1"/>
+          </a:fontRef>
+        </p:style>
+        <p:txBody>
+          <a:bodyPr rtlCol="0" anchor="ctr"/>
+          <a:lstStyle/>
+          <a:p>
+            <a:pPr algn="ctr"/>
+            <a:endParaRPr lang="en-US"/>
+          </a:p>
+        </p:txBody>
+      </p:sp>
+      <p:sp>
+        <p:nvSpPr>
+          <p:cNvPr id="36" name="TextBox 35">
+            <a:extLst>
+              <a:ext uri="{FF2B5EF4-FFF2-40B4-BE49-F238E27FC236}">
+                <a16:creationId xmlns:a16="http://schemas.microsoft.com/office/drawing/2014/main" id="{2B8D95EA-207A-4CE3-83E6-86F90C16ECA3}"/>
+              </a:ext>
+            </a:extLst>
+          </p:cNvPr>
+          <p:cNvSpPr txBox="1"/>
+          <p:nvPr/>
+        </p:nvSpPr>
+        <p:spPr>
+          <a:xfrm>
+            <a:off x="816127" y="3888860"/>
+            <a:ext cx="271598" cy="307777"/>
+          </a:xfrm>
+          <a:prstGeom prst="rect">
+            <a:avLst/>
+          </a:prstGeom>
+          <a:noFill/>
+        </p:spPr>
+        <p:txBody>
+          <a:bodyPr wrap="square" rtlCol="0">
+            <a:spAutoFit/>
+          </a:bodyPr>
+          <a:lstStyle/>
+          <a:p>
+            <a:r>
+              <a:rPr lang="es-VE" dirty="0">
+                <a:latin typeface="Raleway" panose="020B0604020202020204" charset="0"/>
+              </a:rPr>
+              <a:t>1</a:t>
+            </a:r>
+            <a:endParaRPr lang="en-US" dirty="0">
+              <a:latin typeface="Raleway" panose="020B0604020202020204" charset="0"/>
+            </a:endParaRPr>
+          </a:p>
+        </p:txBody>
+      </p:sp>
+      <p:sp>
+        <p:nvSpPr>
+          <p:cNvPr id="37" name="Rectangle 36">
+            <a:extLst>
+              <a:ext uri="{FF2B5EF4-FFF2-40B4-BE49-F238E27FC236}">
+                <a16:creationId xmlns:a16="http://schemas.microsoft.com/office/drawing/2014/main" id="{5A154F41-FF7A-4E31-B82C-CDA8E1F9AE71}"/>
+              </a:ext>
+            </a:extLst>
+          </p:cNvPr>
+          <p:cNvSpPr/>
+          <p:nvPr/>
+        </p:nvSpPr>
+        <p:spPr>
+          <a:xfrm>
+            <a:off x="649303" y="4543876"/>
+            <a:ext cx="282215" cy="273377"/>
+          </a:xfrm>
+          <a:prstGeom prst="rect">
+            <a:avLst/>
+          </a:prstGeom>
+          <a:solidFill>
+            <a:srgbClr val="FFFF00"/>
+          </a:solidFill>
+          <a:ln>
+            <a:solidFill>
+              <a:schemeClr val="tx1"/>
+            </a:solidFill>
+          </a:ln>
+        </p:spPr>
+        <p:style>
+          <a:lnRef idx="2">
+            <a:schemeClr val="accent3">
+              <a:shade val="50000"/>
+            </a:schemeClr>
+          </a:lnRef>
+          <a:fillRef idx="1">
+            <a:schemeClr val="accent3"/>
+          </a:fillRef>
+          <a:effectRef idx="0">
+            <a:schemeClr val="accent3"/>
+          </a:effectRef>
+          <a:fontRef idx="minor">
+            <a:schemeClr val="lt1"/>
+          </a:fontRef>
+        </p:style>
+        <p:txBody>
+          <a:bodyPr rtlCol="0" anchor="ctr"/>
+          <a:lstStyle/>
+          <a:p>
+            <a:pPr algn="ctr"/>
+            <a:endParaRPr lang="en-US"/>
+          </a:p>
+        </p:txBody>
+      </p:sp>
+      <p:sp>
+        <p:nvSpPr>
+          <p:cNvPr id="38" name="Rectangle 37">
+            <a:extLst>
+              <a:ext uri="{FF2B5EF4-FFF2-40B4-BE49-F238E27FC236}">
+                <a16:creationId xmlns:a16="http://schemas.microsoft.com/office/drawing/2014/main" id="{C6C8F65A-069E-41E9-B309-29BD098D39EA}"/>
+              </a:ext>
+            </a:extLst>
+          </p:cNvPr>
+          <p:cNvSpPr/>
+          <p:nvPr/>
+        </p:nvSpPr>
+        <p:spPr>
+          <a:xfrm>
+            <a:off x="1225912" y="4549553"/>
+            <a:ext cx="282215" cy="273377"/>
+          </a:xfrm>
+          <a:prstGeom prst="rect">
+            <a:avLst/>
+          </a:prstGeom>
+          <a:solidFill>
+            <a:srgbClr val="FFFF00"/>
+          </a:solidFill>
+          <a:ln>
+            <a:solidFill>
+              <a:schemeClr val="tx1"/>
+            </a:solidFill>
+          </a:ln>
+        </p:spPr>
+        <p:style>
+          <a:lnRef idx="2">
+            <a:schemeClr val="accent3">
+              <a:shade val="50000"/>
+            </a:schemeClr>
+          </a:lnRef>
+          <a:fillRef idx="1">
+            <a:schemeClr val="accent3"/>
+          </a:fillRef>
+          <a:effectRef idx="0">
+            <a:schemeClr val="accent3"/>
+          </a:effectRef>
+          <a:fontRef idx="minor">
+            <a:schemeClr val="lt1"/>
+          </a:fontRef>
+        </p:style>
+        <p:txBody>
+          <a:bodyPr rtlCol="0" anchor="ctr"/>
+          <a:lstStyle/>
+          <a:p>
+            <a:pPr algn="ctr"/>
+            <a:endParaRPr lang="en-US"/>
+          </a:p>
+        </p:txBody>
+      </p:sp>
+      <p:sp>
+        <p:nvSpPr>
+          <p:cNvPr id="39" name="Rectangle 38">
+            <a:extLst>
+              <a:ext uri="{FF2B5EF4-FFF2-40B4-BE49-F238E27FC236}">
+                <a16:creationId xmlns:a16="http://schemas.microsoft.com/office/drawing/2014/main" id="{B1B7A35B-4F38-4811-B14F-F3F2B8D1961D}"/>
+              </a:ext>
+            </a:extLst>
+          </p:cNvPr>
+          <p:cNvSpPr/>
+          <p:nvPr/>
+        </p:nvSpPr>
+        <p:spPr>
+          <a:xfrm>
+            <a:off x="949392" y="4546415"/>
+            <a:ext cx="282215" cy="273377"/>
+          </a:xfrm>
+          <a:prstGeom prst="rect">
+            <a:avLst/>
+          </a:prstGeom>
+          <a:solidFill>
+            <a:srgbClr val="FFFF00"/>
+          </a:solidFill>
+          <a:ln>
+            <a:solidFill>
+              <a:schemeClr val="tx1"/>
+            </a:solidFill>
+          </a:ln>
+        </p:spPr>
+        <p:style>
+          <a:lnRef idx="2">
+            <a:schemeClr val="accent3">
+              <a:shade val="50000"/>
+            </a:schemeClr>
+          </a:lnRef>
+          <a:fillRef idx="1">
+            <a:schemeClr val="accent3"/>
+          </a:fillRef>
+          <a:effectRef idx="0">
+            <a:schemeClr val="accent3"/>
+          </a:effectRef>
+          <a:fontRef idx="minor">
+            <a:schemeClr val="lt1"/>
+          </a:fontRef>
+        </p:style>
+        <p:txBody>
+          <a:bodyPr rtlCol="0" anchor="ctr"/>
+          <a:lstStyle/>
+          <a:p>
+            <a:pPr algn="ctr"/>
+            <a:endParaRPr lang="en-US"/>
+          </a:p>
+        </p:txBody>
+      </p:sp>
+      <p:sp>
+        <p:nvSpPr>
+          <p:cNvPr id="40" name="Rectangle 39">
+            <a:extLst>
+              <a:ext uri="{FF2B5EF4-FFF2-40B4-BE49-F238E27FC236}">
+                <a16:creationId xmlns:a16="http://schemas.microsoft.com/office/drawing/2014/main" id="{B17EFCA7-B3CC-40CF-8122-42E8AA96658B}"/>
+              </a:ext>
+            </a:extLst>
+          </p:cNvPr>
+          <p:cNvSpPr/>
+          <p:nvPr/>
+        </p:nvSpPr>
+        <p:spPr>
+          <a:xfrm>
+            <a:off x="1224337" y="4826076"/>
+            <a:ext cx="282215" cy="273377"/>
+          </a:xfrm>
+          <a:prstGeom prst="rect">
+            <a:avLst/>
+          </a:prstGeom>
+          <a:solidFill>
+            <a:srgbClr val="FFFF00"/>
+          </a:solidFill>
+          <a:ln>
+            <a:solidFill>
+              <a:schemeClr val="tx1"/>
+            </a:solidFill>
+          </a:ln>
+        </p:spPr>
+        <p:style>
+          <a:lnRef idx="2">
+            <a:schemeClr val="accent3">
+              <a:shade val="50000"/>
+            </a:schemeClr>
+          </a:lnRef>
+          <a:fillRef idx="1">
+            <a:schemeClr val="accent3"/>
+          </a:fillRef>
+          <a:effectRef idx="0">
+            <a:schemeClr val="accent3"/>
+          </a:effectRef>
+          <a:fontRef idx="minor">
+            <a:schemeClr val="lt1"/>
+          </a:fontRef>
+        </p:style>
+        <p:txBody>
+          <a:bodyPr rtlCol="0" anchor="ctr"/>
+          <a:lstStyle/>
+          <a:p>
+            <a:pPr algn="ctr"/>
+            <a:endParaRPr lang="en-US"/>
+          </a:p>
+        </p:txBody>
+      </p:sp>
+      <p:sp>
+        <p:nvSpPr>
+          <p:cNvPr id="41" name="Rectangle 40">
+            <a:extLst>
+              <a:ext uri="{FF2B5EF4-FFF2-40B4-BE49-F238E27FC236}">
+                <a16:creationId xmlns:a16="http://schemas.microsoft.com/office/drawing/2014/main" id="{70C71562-6E0D-4B08-8CDA-CB2A4142376E}"/>
+              </a:ext>
+            </a:extLst>
+          </p:cNvPr>
+          <p:cNvSpPr/>
+          <p:nvPr/>
+        </p:nvSpPr>
+        <p:spPr>
+          <a:xfrm>
+            <a:off x="1218347" y="6000858"/>
+            <a:ext cx="282215" cy="273377"/>
+          </a:xfrm>
+          <a:prstGeom prst="rect">
+            <a:avLst/>
+          </a:prstGeom>
+          <a:solidFill>
+            <a:srgbClr val="0070C0"/>
+          </a:solidFill>
+          <a:ln>
+            <a:solidFill>
+              <a:schemeClr val="tx1"/>
+            </a:solidFill>
+          </a:ln>
+        </p:spPr>
+        <p:style>
+          <a:lnRef idx="2">
+            <a:schemeClr val="accent3">
+              <a:shade val="50000"/>
+            </a:schemeClr>
+          </a:lnRef>
+          <a:fillRef idx="1">
+            <a:schemeClr val="accent3"/>
+          </a:fillRef>
+          <a:effectRef idx="0">
+            <a:schemeClr val="accent3"/>
+          </a:effectRef>
+          <a:fontRef idx="minor">
+            <a:schemeClr val="lt1"/>
+          </a:fontRef>
+        </p:style>
+        <p:txBody>
+          <a:bodyPr rtlCol="0" anchor="ctr"/>
+          <a:lstStyle/>
+          <a:p>
+            <a:pPr algn="ctr"/>
+            <a:endParaRPr lang="en-US"/>
+          </a:p>
+        </p:txBody>
+      </p:sp>
+      <p:sp>
+        <p:nvSpPr>
+          <p:cNvPr id="42" name="Rectangle 41">
+            <a:extLst>
+              <a:ext uri="{FF2B5EF4-FFF2-40B4-BE49-F238E27FC236}">
+                <a16:creationId xmlns:a16="http://schemas.microsoft.com/office/drawing/2014/main" id="{27E1D8A4-35C8-4F46-808C-73A2BE9035C8}"/>
+              </a:ext>
+            </a:extLst>
+          </p:cNvPr>
+          <p:cNvSpPr/>
+          <p:nvPr/>
+        </p:nvSpPr>
+        <p:spPr>
+          <a:xfrm>
+            <a:off x="802621" y="5719122"/>
+            <a:ext cx="282215" cy="273377"/>
+          </a:xfrm>
+          <a:prstGeom prst="rect">
+            <a:avLst/>
+          </a:prstGeom>
+          <a:solidFill>
+            <a:srgbClr val="0070C0"/>
+          </a:solidFill>
+          <a:ln>
+            <a:solidFill>
+              <a:schemeClr val="tx1"/>
+            </a:solidFill>
+          </a:ln>
+        </p:spPr>
+        <p:style>
+          <a:lnRef idx="2">
+            <a:schemeClr val="accent3">
+              <a:shade val="50000"/>
+            </a:schemeClr>
+          </a:lnRef>
+          <a:fillRef idx="1">
+            <a:schemeClr val="accent3"/>
+          </a:fillRef>
+          <a:effectRef idx="0">
+            <a:schemeClr val="accent3"/>
+          </a:effectRef>
+          <a:fontRef idx="minor">
+            <a:schemeClr val="lt1"/>
+          </a:fontRef>
+        </p:style>
+        <p:txBody>
+          <a:bodyPr rtlCol="0" anchor="ctr"/>
+          <a:lstStyle/>
+          <a:p>
+            <a:pPr algn="ctr"/>
+            <a:endParaRPr lang="en-US"/>
+          </a:p>
+        </p:txBody>
+      </p:sp>
+      <p:sp>
+        <p:nvSpPr>
+          <p:cNvPr id="43" name="Rectangle 42">
+            <a:extLst>
+              <a:ext uri="{FF2B5EF4-FFF2-40B4-BE49-F238E27FC236}">
+                <a16:creationId xmlns:a16="http://schemas.microsoft.com/office/drawing/2014/main" id="{73396254-69E8-40F3-9975-97C9E6089913}"/>
+              </a:ext>
+            </a:extLst>
+          </p:cNvPr>
+          <p:cNvSpPr/>
+          <p:nvPr/>
+        </p:nvSpPr>
+        <p:spPr>
+          <a:xfrm>
+            <a:off x="1093835" y="5716062"/>
+            <a:ext cx="282215" cy="273377"/>
+          </a:xfrm>
+          <a:prstGeom prst="rect">
+            <a:avLst/>
+          </a:prstGeom>
+          <a:solidFill>
+            <a:srgbClr val="0070C0"/>
+          </a:solidFill>
+          <a:ln>
+            <a:solidFill>
+              <a:schemeClr val="tx1"/>
+            </a:solidFill>
+          </a:ln>
+        </p:spPr>
+        <p:style>
+          <a:lnRef idx="2">
+            <a:schemeClr val="accent3">
+              <a:shade val="50000"/>
+            </a:schemeClr>
+          </a:lnRef>
+          <a:fillRef idx="1">
+            <a:schemeClr val="accent3"/>
+          </a:fillRef>
+          <a:effectRef idx="0">
+            <a:schemeClr val="accent3"/>
+          </a:effectRef>
+          <a:fontRef idx="minor">
+            <a:schemeClr val="lt1"/>
+          </a:fontRef>
+        </p:style>
+        <p:txBody>
+          <a:bodyPr rtlCol="0" anchor="ctr"/>
+          <a:lstStyle/>
+          <a:p>
+            <a:pPr algn="ctr"/>
+            <a:endParaRPr lang="en-US"/>
+          </a:p>
+        </p:txBody>
+      </p:sp>
+      <p:sp>
+        <p:nvSpPr>
+          <p:cNvPr id="44" name="Rectangle 43">
+            <a:extLst>
+              <a:ext uri="{FF2B5EF4-FFF2-40B4-BE49-F238E27FC236}">
+                <a16:creationId xmlns:a16="http://schemas.microsoft.com/office/drawing/2014/main" id="{04BE7BA5-B004-4602-9F3B-CA46CAEA6AD4}"/>
+              </a:ext>
+            </a:extLst>
+          </p:cNvPr>
+          <p:cNvSpPr/>
+          <p:nvPr/>
+        </p:nvSpPr>
+        <p:spPr>
+          <a:xfrm>
+            <a:off x="1240214" y="5425424"/>
+            <a:ext cx="282215" cy="273377"/>
+          </a:xfrm>
+          <a:prstGeom prst="rect">
+            <a:avLst/>
+          </a:prstGeom>
+          <a:solidFill>
+            <a:srgbClr val="0070C0"/>
+          </a:solidFill>
+          <a:ln>
+            <a:solidFill>
+              <a:schemeClr val="tx1"/>
+            </a:solidFill>
+          </a:ln>
+        </p:spPr>
+        <p:style>
+          <a:lnRef idx="2">
+            <a:schemeClr val="accent3">
+              <a:shade val="50000"/>
+            </a:schemeClr>
+          </a:lnRef>
+          <a:fillRef idx="1">
+            <a:schemeClr val="accent3"/>
+          </a:fillRef>
+          <a:effectRef idx="0">
+            <a:schemeClr val="accent3"/>
+          </a:effectRef>
+          <a:fontRef idx="minor">
+            <a:schemeClr val="lt1"/>
+          </a:fontRef>
+        </p:style>
+        <p:txBody>
+          <a:bodyPr rtlCol="0" anchor="ctr"/>
+          <a:lstStyle/>
+          <a:p>
+            <a:pPr algn="ctr"/>
+            <a:endParaRPr lang="en-US"/>
+          </a:p>
+        </p:txBody>
+      </p:sp>
+      <p:sp>
+        <p:nvSpPr>
+          <p:cNvPr id="45" name="Rectangle 44">
+            <a:extLst>
+              <a:ext uri="{FF2B5EF4-FFF2-40B4-BE49-F238E27FC236}">
+                <a16:creationId xmlns:a16="http://schemas.microsoft.com/office/drawing/2014/main" id="{8BFB4814-6207-481F-9729-7B5ADEA75203}"/>
+              </a:ext>
+            </a:extLst>
+          </p:cNvPr>
+          <p:cNvSpPr/>
+          <p:nvPr/>
+        </p:nvSpPr>
+        <p:spPr>
+          <a:xfrm>
+            <a:off x="940126" y="5426994"/>
+            <a:ext cx="282215" cy="273377"/>
+          </a:xfrm>
+          <a:prstGeom prst="rect">
+            <a:avLst/>
+          </a:prstGeom>
+          <a:solidFill>
+            <a:srgbClr val="0070C0"/>
+          </a:solidFill>
+          <a:ln>
+            <a:solidFill>
+              <a:schemeClr val="tx1"/>
+            </a:solidFill>
+          </a:ln>
+        </p:spPr>
+        <p:style>
+          <a:lnRef idx="2">
+            <a:schemeClr val="accent3">
+              <a:shade val="50000"/>
+            </a:schemeClr>
+          </a:lnRef>
+          <a:fillRef idx="1">
+            <a:schemeClr val="accent3"/>
+          </a:fillRef>
+          <a:effectRef idx="0">
+            <a:schemeClr val="accent3"/>
+          </a:effectRef>
+          <a:fontRef idx="minor">
+            <a:schemeClr val="lt1"/>
+          </a:fontRef>
+        </p:style>
+        <p:txBody>
+          <a:bodyPr rtlCol="0" anchor="ctr"/>
+          <a:lstStyle/>
+          <a:p>
+            <a:pPr algn="ctr"/>
+            <a:endParaRPr lang="en-US"/>
+          </a:p>
+        </p:txBody>
+      </p:sp>
+      <p:sp>
+        <p:nvSpPr>
+          <p:cNvPr id="46" name="Rectangle 45">
+            <a:extLst>
+              <a:ext uri="{FF2B5EF4-FFF2-40B4-BE49-F238E27FC236}">
+                <a16:creationId xmlns:a16="http://schemas.microsoft.com/office/drawing/2014/main" id="{8DD66666-A9B9-46B7-8911-24A59D289B52}"/>
+              </a:ext>
+            </a:extLst>
+          </p:cNvPr>
+          <p:cNvSpPr/>
+          <p:nvPr/>
+        </p:nvSpPr>
+        <p:spPr>
+          <a:xfrm>
+            <a:off x="1225910" y="5119873"/>
+            <a:ext cx="282215" cy="273377"/>
+          </a:xfrm>
+          <a:prstGeom prst="rect">
+            <a:avLst/>
+          </a:prstGeom>
+          <a:solidFill>
+            <a:srgbClr val="FFFF00"/>
+          </a:solidFill>
+          <a:ln>
+            <a:solidFill>
+              <a:schemeClr val="tx1"/>
+            </a:solidFill>
+          </a:ln>
+        </p:spPr>
+        <p:style>
+          <a:lnRef idx="2">
+            <a:schemeClr val="accent3">
+              <a:shade val="50000"/>
+            </a:schemeClr>
+          </a:lnRef>
+          <a:fillRef idx="1">
+            <a:schemeClr val="accent3"/>
+          </a:fillRef>
+          <a:effectRef idx="0">
+            <a:schemeClr val="accent3"/>
+          </a:effectRef>
+          <a:fontRef idx="minor">
+            <a:schemeClr val="lt1"/>
+          </a:fontRef>
+        </p:style>
+        <p:txBody>
+          <a:bodyPr rtlCol="0" anchor="ctr"/>
+          <a:lstStyle/>
+          <a:p>
+            <a:pPr algn="ctr"/>
+            <a:endParaRPr lang="en-US"/>
+          </a:p>
+        </p:txBody>
+      </p:sp>
+      <p:sp>
+        <p:nvSpPr>
+          <p:cNvPr id="47" name="Rectangle 46">
+            <a:extLst>
+              <a:ext uri="{FF2B5EF4-FFF2-40B4-BE49-F238E27FC236}">
+                <a16:creationId xmlns:a16="http://schemas.microsoft.com/office/drawing/2014/main" id="{5C7C4DC4-226C-4243-91AA-31B12B61AF6D}"/>
+              </a:ext>
+            </a:extLst>
+          </p:cNvPr>
+          <p:cNvSpPr/>
+          <p:nvPr/>
+        </p:nvSpPr>
+        <p:spPr>
+          <a:xfrm>
+            <a:off x="946249" y="4830791"/>
+            <a:ext cx="282215" cy="273377"/>
+          </a:xfrm>
+          <a:prstGeom prst="rect">
+            <a:avLst/>
+          </a:prstGeom>
+          <a:solidFill>
+            <a:srgbClr val="FFFF00"/>
+          </a:solidFill>
+          <a:ln>
+            <a:solidFill>
+              <a:schemeClr val="tx1"/>
+            </a:solidFill>
+          </a:ln>
+        </p:spPr>
+        <p:style>
+          <a:lnRef idx="2">
+            <a:schemeClr val="accent3">
+              <a:shade val="50000"/>
+            </a:schemeClr>
+          </a:lnRef>
+          <a:fillRef idx="1">
+            <a:schemeClr val="accent3"/>
+          </a:fillRef>
+          <a:effectRef idx="0">
+            <a:schemeClr val="accent3"/>
+          </a:effectRef>
+          <a:fontRef idx="minor">
+            <a:schemeClr val="lt1"/>
+          </a:fontRef>
+        </p:style>
+        <p:txBody>
+          <a:bodyPr rtlCol="0" anchor="ctr"/>
+          <a:lstStyle/>
+          <a:p>
+            <a:pPr algn="ctr"/>
+            <a:endParaRPr lang="en-US"/>
+          </a:p>
+        </p:txBody>
+      </p:sp>
+      <p:sp>
+        <p:nvSpPr>
+          <p:cNvPr id="48" name="Rectangle 47">
+            <a:extLst>
+              <a:ext uri="{FF2B5EF4-FFF2-40B4-BE49-F238E27FC236}">
+                <a16:creationId xmlns:a16="http://schemas.microsoft.com/office/drawing/2014/main" id="{93FF7E7B-6C7F-47A2-85EA-1FB872621E98}"/>
+              </a:ext>
+            </a:extLst>
+          </p:cNvPr>
+          <p:cNvSpPr/>
+          <p:nvPr/>
+        </p:nvSpPr>
+        <p:spPr>
+          <a:xfrm>
+            <a:off x="938392" y="5119875"/>
+            <a:ext cx="282215" cy="273377"/>
+          </a:xfrm>
+          <a:prstGeom prst="rect">
+            <a:avLst/>
+          </a:prstGeom>
+          <a:solidFill>
+            <a:srgbClr val="FFFF00"/>
+          </a:solidFill>
+          <a:ln>
+            <a:solidFill>
+              <a:schemeClr val="tx1"/>
+            </a:solidFill>
+          </a:ln>
+        </p:spPr>
+        <p:style>
+          <a:lnRef idx="2">
+            <a:schemeClr val="accent3">
+              <a:shade val="50000"/>
+            </a:schemeClr>
+          </a:lnRef>
+          <a:fillRef idx="1">
+            <a:schemeClr val="accent3"/>
+          </a:fillRef>
+          <a:effectRef idx="0">
+            <a:schemeClr val="accent3"/>
+          </a:effectRef>
+          <a:fontRef idx="minor">
+            <a:schemeClr val="lt1"/>
+          </a:fontRef>
+        </p:style>
+        <p:txBody>
+          <a:bodyPr rtlCol="0" anchor="ctr"/>
+          <a:lstStyle/>
+          <a:p>
+            <a:pPr algn="ctr"/>
+            <a:endParaRPr lang="en-US"/>
+          </a:p>
+        </p:txBody>
+      </p:sp>
+      <p:sp>
+        <p:nvSpPr>
+          <p:cNvPr id="49" name="Rectangle 48">
+            <a:extLst>
+              <a:ext uri="{FF2B5EF4-FFF2-40B4-BE49-F238E27FC236}">
+                <a16:creationId xmlns:a16="http://schemas.microsoft.com/office/drawing/2014/main" id="{5EE0937D-49ED-417B-A2AC-B155384469F6}"/>
+              </a:ext>
+            </a:extLst>
+          </p:cNvPr>
+          <p:cNvSpPr/>
+          <p:nvPr/>
+        </p:nvSpPr>
+        <p:spPr>
+          <a:xfrm>
+            <a:off x="649304" y="4835502"/>
+            <a:ext cx="282215" cy="273377"/>
+          </a:xfrm>
+          <a:prstGeom prst="rect">
+            <a:avLst/>
+          </a:prstGeom>
+          <a:solidFill>
+            <a:srgbClr val="FFFF00"/>
+          </a:solidFill>
+          <a:ln>
+            <a:solidFill>
+              <a:schemeClr val="tx1"/>
+            </a:solidFill>
+          </a:ln>
+        </p:spPr>
+        <p:style>
+          <a:lnRef idx="2">
+            <a:schemeClr val="accent3">
+              <a:shade val="50000"/>
+            </a:schemeClr>
+          </a:lnRef>
+          <a:fillRef idx="1">
+            <a:schemeClr val="accent3"/>
+          </a:fillRef>
+          <a:effectRef idx="0">
+            <a:schemeClr val="accent3"/>
+          </a:effectRef>
+          <a:fontRef idx="minor">
+            <a:schemeClr val="lt1"/>
+          </a:fontRef>
+        </p:style>
+        <p:txBody>
+          <a:bodyPr rtlCol="0" anchor="ctr"/>
+          <a:lstStyle/>
+          <a:p>
+            <a:pPr algn="ctr"/>
+            <a:endParaRPr lang="en-US"/>
+          </a:p>
+        </p:txBody>
+      </p:sp>
+      <p:sp>
+        <p:nvSpPr>
+          <p:cNvPr id="50" name="Rectangle 49">
+            <a:extLst>
+              <a:ext uri="{FF2B5EF4-FFF2-40B4-BE49-F238E27FC236}">
+                <a16:creationId xmlns:a16="http://schemas.microsoft.com/office/drawing/2014/main" id="{3E5DB91F-B6A3-4071-BF32-6C44060E9299}"/>
+              </a:ext>
+            </a:extLst>
+          </p:cNvPr>
+          <p:cNvSpPr/>
+          <p:nvPr/>
+        </p:nvSpPr>
+        <p:spPr>
+          <a:xfrm>
+            <a:off x="646164" y="5110446"/>
+            <a:ext cx="282215" cy="273377"/>
+          </a:xfrm>
+          <a:prstGeom prst="rect">
+            <a:avLst/>
+          </a:prstGeom>
+          <a:solidFill>
+            <a:srgbClr val="FFFF00"/>
+          </a:solidFill>
+          <a:ln>
+            <a:solidFill>
+              <a:schemeClr val="tx1"/>
+            </a:solidFill>
+          </a:ln>
+        </p:spPr>
+        <p:style>
+          <a:lnRef idx="2">
+            <a:schemeClr val="accent3">
+              <a:shade val="50000"/>
+            </a:schemeClr>
+          </a:lnRef>
+          <a:fillRef idx="1">
+            <a:schemeClr val="accent3"/>
+          </a:fillRef>
+          <a:effectRef idx="0">
+            <a:schemeClr val="accent3"/>
+          </a:effectRef>
+          <a:fontRef idx="minor">
+            <a:schemeClr val="lt1"/>
+          </a:fontRef>
+        </p:style>
+        <p:txBody>
+          <a:bodyPr rtlCol="0" anchor="ctr"/>
+          <a:lstStyle/>
+          <a:p>
+            <a:pPr algn="ctr"/>
+            <a:endParaRPr lang="en-US"/>
+          </a:p>
+        </p:txBody>
+      </p:sp>
     </p:spTree>
     <p:extLst>
       <p:ext uri="{BB962C8B-B14F-4D97-AF65-F5344CB8AC3E}">
-        <p14:creationId xmlns:p14="http://schemas.microsoft.com/office/powerpoint/2010/main" val="2254038699"/>
+        <p14:creationId xmlns:p14="http://schemas.microsoft.com/office/powerpoint/2010/main" val="1996923577"/>
       </p:ext>
     </p:extLst>
   </p:cSld>
@@ -12463,61 +13450,6 @@
           <a:chExt cx="0" cy="0"/>
         </a:xfrm>
       </p:grpSpPr>
-      <p:sp>
-        <p:nvSpPr>
-          <p:cNvPr id="393" name="Shape 393"/>
-          <p:cNvSpPr txBox="1">
-            <a:spLocks noGrp="1"/>
-          </p:cNvSpPr>
-          <p:nvPr>
-            <p:ph type="body" idx="1"/>
-          </p:nvPr>
-        </p:nvSpPr>
-        <p:spPr>
-          <a:xfrm>
-            <a:off x="457200" y="1628481"/>
-            <a:ext cx="8229600" cy="4526100"/>
-          </a:xfrm>
-          <a:prstGeom prst="rect">
-            <a:avLst/>
-          </a:prstGeom>
-          <a:noFill/>
-          <a:ln>
-            <a:noFill/>
-          </a:ln>
-        </p:spPr>
-        <p:txBody>
-          <a:bodyPr lIns="91425" tIns="45700" rIns="91425" bIns="45700" anchor="t" anchorCtr="0">
-            <a:noAutofit/>
-          </a:bodyPr>
-          <a:lstStyle/>
-          <a:p>
-            <a:pPr marL="0" marR="0" lvl="0" indent="0" algn="l" rtl="0">
-              <a:lnSpc>
-                <a:spcPct val="90000"/>
-              </a:lnSpc>
-              <a:spcBef>
-                <a:spcPts val="0"/>
-              </a:spcBef>
-              <a:buClr>
-                <a:schemeClr val="dk1"/>
-              </a:buClr>
-              <a:buSzPct val="25000"/>
-              <a:buFont typeface="Arial"/>
-              <a:buNone/>
-            </a:pPr>
-            <a:r>
-              <a:rPr lang="es-VE" sz="1850" b="0" i="0" u="none" strike="noStrike" cap="none" dirty="0">
-                <a:solidFill>
-                  <a:schemeClr val="dk1"/>
-                </a:solidFill>
-              </a:rPr>
-              <a:t>Texto</a:t>
-            </a:r>
-            <a:endParaRPr lang="es-VE" sz="1850" dirty="0"/>
-          </a:p>
-        </p:txBody>
-      </p:sp>
       <p:sp>
         <p:nvSpPr>
           <p:cNvPr id="394" name="Shape 394"/>
@@ -12547,16 +13479,11 @@
           </a:bodyPr>
           <a:lstStyle/>
           <a:p>
-            <a:pPr marL="0" marR="0" lvl="0" indent="0" algn="l" rtl="0">
-              <a:spcBef>
-                <a:spcPts val="0"/>
-              </a:spcBef>
+            <a:pPr lvl="0" algn="l">
               <a:buClr>
                 <a:srgbClr val="F7B600"/>
               </a:buClr>
               <a:buSzPct val="25000"/>
-              <a:buFont typeface="Arial"/>
-              <a:buNone/>
             </a:pPr>
             <a:r>
               <a:rPr lang="es-VE" sz="1200" dirty="0">
@@ -12568,10 +13495,199 @@
                 <a:cs typeface="Montserrat"/>
                 <a:sym typeface="Montserrat"/>
               </a:rPr>
-              <a:t>5</a:t>
+              <a:t>5.4 Gráfico de Burbujas</a:t>
             </a:r>
+            <a:endParaRPr lang="es-VE" sz="1200" i="0" u="none" strike="noStrike" cap="none" dirty="0">
+              <a:solidFill>
+                <a:srgbClr val="F7B600"/>
+              </a:solidFill>
+              <a:latin typeface="Montserrat"/>
+              <a:ea typeface="Montserrat"/>
+              <a:cs typeface="Montserrat"/>
+              <a:sym typeface="Montserrat"/>
+            </a:endParaRPr>
+          </a:p>
+        </p:txBody>
+      </p:sp>
+      <p:pic>
+        <p:nvPicPr>
+          <p:cNvPr id="395" name="Shape 395" descr="isotipo codeacademy.png"/>
+          <p:cNvPicPr preferRelativeResize="0"/>
+          <p:nvPr/>
+        </p:nvPicPr>
+        <p:blipFill rotWithShape="1">
+          <a:blip r:embed="rId3">
+            <a:alphaModFix/>
+          </a:blip>
+          <a:srcRect/>
+          <a:stretch/>
+        </p:blipFill>
+        <p:spPr>
+          <a:xfrm>
+            <a:off x="131781" y="126082"/>
+            <a:ext cx="548100" cy="548100"/>
+          </a:xfrm>
+          <a:prstGeom prst="rect">
+            <a:avLst/>
+          </a:prstGeom>
+          <a:noFill/>
+          <a:ln>
+            <a:noFill/>
+          </a:ln>
+        </p:spPr>
+      </p:pic>
+      <p:sp>
+        <p:nvSpPr>
+          <p:cNvPr id="396" name="Shape 396"/>
+          <p:cNvSpPr txBox="1"/>
+          <p:nvPr/>
+        </p:nvSpPr>
+        <p:spPr>
+          <a:xfrm>
+            <a:off x="1117076" y="674182"/>
+            <a:ext cx="7494309" cy="646200"/>
+          </a:xfrm>
+          <a:prstGeom prst="rect">
+            <a:avLst/>
+          </a:prstGeom>
+          <a:noFill/>
+          <a:ln>
+            <a:noFill/>
+          </a:ln>
+        </p:spPr>
+        <p:txBody>
+          <a:bodyPr lIns="91425" tIns="45700" rIns="91425" bIns="45700" anchor="t" anchorCtr="0">
+            <a:noAutofit/>
+          </a:bodyPr>
+          <a:lstStyle/>
+          <a:p>
+            <a:pPr marL="0" marR="0" lvl="0" indent="0" algn="l" rtl="0">
+              <a:spcBef>
+                <a:spcPts val="0"/>
+              </a:spcBef>
+              <a:buSzPct val="25000"/>
+              <a:buNone/>
+            </a:pPr>
             <a:r>
-              <a:rPr lang="es-VE" sz="1200" i="0" u="none" strike="noStrike" cap="none" dirty="0">
+              <a:rPr lang="es-GT" sz="3600" dirty="0">
+                <a:solidFill>
+                  <a:srgbClr val="F7B600"/>
+                </a:solidFill>
+                <a:latin typeface="Raleway"/>
+                <a:ea typeface="Raleway"/>
+                <a:cs typeface="Raleway"/>
+                <a:sym typeface="Raleway"/>
+              </a:rPr>
+              <a:t>Resultado</a:t>
+            </a:r>
+            <a:endParaRPr lang="es-GT" sz="3600" b="0" i="0" u="none" strike="noStrike" cap="none" dirty="0">
+              <a:solidFill>
+                <a:srgbClr val="F7B600"/>
+              </a:solidFill>
+              <a:latin typeface="Raleway"/>
+              <a:ea typeface="Raleway"/>
+              <a:cs typeface="Raleway"/>
+              <a:sym typeface="Raleway"/>
+            </a:endParaRPr>
+          </a:p>
+        </p:txBody>
+      </p:sp>
+      <p:pic>
+        <p:nvPicPr>
+          <p:cNvPr id="4" name="Picture 3" descr="A picture containing light, indoor, computer&#10;&#10;Description generated with high confidence">
+            <a:extLst>
+              <a:ext uri="{FF2B5EF4-FFF2-40B4-BE49-F238E27FC236}">
+                <a16:creationId xmlns:a16="http://schemas.microsoft.com/office/drawing/2014/main" id="{53F88FBD-9C67-495D-9C6B-5599F0BB5CE5}"/>
+              </a:ext>
+            </a:extLst>
+          </p:cNvPr>
+          <p:cNvPicPr>
+            <a:picLocks noChangeAspect="1"/>
+          </p:cNvPicPr>
+          <p:nvPr/>
+        </p:nvPicPr>
+        <p:blipFill rotWithShape="1">
+          <a:blip r:embed="rId4"/>
+          <a:srcRect l="34072" t="14303" r="28506" b="23327"/>
+          <a:stretch/>
+        </p:blipFill>
+        <p:spPr>
+          <a:xfrm>
+            <a:off x="1601757" y="1890073"/>
+            <a:ext cx="5383506" cy="4100661"/>
+          </a:xfrm>
+          <a:prstGeom prst="rect">
+            <a:avLst/>
+          </a:prstGeom>
+        </p:spPr>
+      </p:pic>
+    </p:spTree>
+    <p:extLst>
+      <p:ext uri="{BB962C8B-B14F-4D97-AF65-F5344CB8AC3E}">
+        <p14:creationId xmlns:p14="http://schemas.microsoft.com/office/powerpoint/2010/main" val="2474579605"/>
+      </p:ext>
+    </p:extLst>
+  </p:cSld>
+  <p:clrMapOvr>
+    <a:masterClrMapping/>
+  </p:clrMapOvr>
+</p:sld>
+</file>
+
+<file path=ppt/slides/slide4.xml><?xml version="1.0" encoding="utf-8"?>
+<p:sld xmlns:a="http://schemas.openxmlformats.org/drawingml/2006/main" xmlns:r="http://schemas.openxmlformats.org/officeDocument/2006/relationships" xmlns:p="http://schemas.openxmlformats.org/presentationml/2006/main">
+  <p:cSld>
+    <p:spTree>
+      <p:nvGrpSpPr>
+        <p:cNvPr id="1" name="Shape 392"/>
+        <p:cNvGrpSpPr/>
+        <p:nvPr/>
+      </p:nvGrpSpPr>
+      <p:grpSpPr>
+        <a:xfrm>
+          <a:off x="0" y="0"/>
+          <a:ext cx="0" cy="0"/>
+          <a:chOff x="0" y="0"/>
+          <a:chExt cx="0" cy="0"/>
+        </a:xfrm>
+      </p:grpSpPr>
+      <p:sp>
+        <p:nvSpPr>
+          <p:cNvPr id="394" name="Shape 394"/>
+          <p:cNvSpPr txBox="1">
+            <a:spLocks noGrp="1"/>
+          </p:cNvSpPr>
+          <p:nvPr>
+            <p:ph type="title"/>
+          </p:nvPr>
+        </p:nvSpPr>
+        <p:spPr>
+          <a:xfrm>
+            <a:off x="666539" y="209956"/>
+            <a:ext cx="5192220" cy="428400"/>
+          </a:xfrm>
+          <a:prstGeom prst="rect">
+            <a:avLst/>
+          </a:prstGeom>
+          <a:noFill/>
+          <a:ln>
+            <a:noFill/>
+          </a:ln>
+        </p:spPr>
+        <p:txBody>
+          <a:bodyPr lIns="91425" tIns="45700" rIns="91425" bIns="45700" anchor="ctr" anchorCtr="0">
+            <a:noAutofit/>
+          </a:bodyPr>
+          <a:lstStyle/>
+          <a:p>
+            <a:pPr lvl="0" algn="l">
+              <a:buClr>
+                <a:srgbClr val="F7B600"/>
+              </a:buClr>
+              <a:buSzPct val="25000"/>
+            </a:pPr>
+            <a:r>
+              <a:rPr lang="es-VE" sz="1200" dirty="0">
                 <a:solidFill>
                   <a:srgbClr val="F7B600"/>
                 </a:solidFill>
@@ -12580,8 +13696,17 @@
                 <a:cs typeface="Montserrat"/>
                 <a:sym typeface="Montserrat"/>
               </a:rPr>
-              <a:t>.3 Gráfico de Burbujas</a:t>
+              <a:t>5.4 Gráfico de Burbujas</a:t>
             </a:r>
+            <a:endParaRPr lang="es-VE" sz="1200" i="0" u="none" strike="noStrike" cap="none" dirty="0">
+              <a:solidFill>
+                <a:srgbClr val="F7B600"/>
+              </a:solidFill>
+              <a:latin typeface="Montserrat"/>
+              <a:ea typeface="Montserrat"/>
+              <a:cs typeface="Montserrat"/>
+              <a:sym typeface="Montserrat"/>
+            </a:endParaRPr>
           </a:p>
         </p:txBody>
       </p:sp>
@@ -12645,7 +13770,7 @@
               <a:buNone/>
             </a:pPr>
             <a:r>
-              <a:rPr lang="es-GT" sz="3600" dirty="0">
+              <a:rPr lang="es-GT" sz="3600" b="0" i="0" u="none" strike="noStrike" cap="none" dirty="0">
                 <a:solidFill>
                   <a:srgbClr val="F7B600"/>
                 </a:solidFill>
@@ -12654,24 +13779,178 @@
                 <a:cs typeface="Raleway"/>
                 <a:sym typeface="Raleway"/>
               </a:rPr>
-              <a:t>Título</a:t>
+              <a:t>¿Cómo hacemos el ejemplo?</a:t>
             </a:r>
-            <a:endParaRPr lang="es-GT" sz="3600" b="0" i="0" u="none" strike="noStrike" cap="none" dirty="0">
-              <a:solidFill>
-                <a:srgbClr val="F7B600"/>
-              </a:solidFill>
-              <a:latin typeface="Raleway"/>
-              <a:ea typeface="Raleway"/>
-              <a:cs typeface="Raleway"/>
-              <a:sym typeface="Raleway"/>
-            </a:endParaRPr>
           </a:p>
         </p:txBody>
       </p:sp>
     </p:spTree>
     <p:extLst>
       <p:ext uri="{BB962C8B-B14F-4D97-AF65-F5344CB8AC3E}">
-        <p14:creationId xmlns:p14="http://schemas.microsoft.com/office/powerpoint/2010/main" val="1269151904"/>
+        <p14:creationId xmlns:p14="http://schemas.microsoft.com/office/powerpoint/2010/main" val="1010414157"/>
+      </p:ext>
+    </p:extLst>
+  </p:cSld>
+  <p:clrMapOvr>
+    <a:masterClrMapping/>
+  </p:clrMapOvr>
+</p:sld>
+</file>
+
+<file path=ppt/slides/slide5.xml><?xml version="1.0" encoding="utf-8"?>
+<p:sld xmlns:a="http://schemas.openxmlformats.org/drawingml/2006/main" xmlns:r="http://schemas.openxmlformats.org/officeDocument/2006/relationships" xmlns:p="http://schemas.openxmlformats.org/presentationml/2006/main">
+  <p:cSld>
+    <p:spTree>
+      <p:nvGrpSpPr>
+        <p:cNvPr id="1" name="Shape 392"/>
+        <p:cNvGrpSpPr/>
+        <p:nvPr/>
+      </p:nvGrpSpPr>
+      <p:grpSpPr>
+        <a:xfrm>
+          <a:off x="0" y="0"/>
+          <a:ext cx="0" cy="0"/>
+          <a:chOff x="0" y="0"/>
+          <a:chExt cx="0" cy="0"/>
+        </a:xfrm>
+      </p:grpSpPr>
+      <p:sp>
+        <p:nvSpPr>
+          <p:cNvPr id="394" name="Shape 394"/>
+          <p:cNvSpPr txBox="1">
+            <a:spLocks noGrp="1"/>
+          </p:cNvSpPr>
+          <p:nvPr>
+            <p:ph type="title"/>
+          </p:nvPr>
+        </p:nvSpPr>
+        <p:spPr>
+          <a:xfrm>
+            <a:off x="666539" y="209956"/>
+            <a:ext cx="5192220" cy="428400"/>
+          </a:xfrm>
+          <a:prstGeom prst="rect">
+            <a:avLst/>
+          </a:prstGeom>
+          <a:noFill/>
+          <a:ln>
+            <a:noFill/>
+          </a:ln>
+        </p:spPr>
+        <p:txBody>
+          <a:bodyPr lIns="91425" tIns="45700" rIns="91425" bIns="45700" anchor="ctr" anchorCtr="0">
+            <a:noAutofit/>
+          </a:bodyPr>
+          <a:lstStyle/>
+          <a:p>
+            <a:pPr lvl="0" algn="l">
+              <a:buClr>
+                <a:srgbClr val="F7B600"/>
+              </a:buClr>
+              <a:buSzPct val="25000"/>
+            </a:pPr>
+            <a:r>
+              <a:rPr lang="es-VE" sz="1200" dirty="0">
+                <a:solidFill>
+                  <a:srgbClr val="F7B600"/>
+                </a:solidFill>
+                <a:latin typeface="Montserrat"/>
+                <a:ea typeface="Montserrat"/>
+                <a:cs typeface="Montserrat"/>
+                <a:sym typeface="Montserrat"/>
+              </a:rPr>
+              <a:t>5.4 Gráfico de Burbujas</a:t>
+            </a:r>
+            <a:endParaRPr lang="es-VE" sz="1200" i="0" u="none" strike="noStrike" cap="none" dirty="0">
+              <a:solidFill>
+                <a:srgbClr val="F7B600"/>
+              </a:solidFill>
+              <a:latin typeface="Montserrat"/>
+              <a:ea typeface="Montserrat"/>
+              <a:cs typeface="Montserrat"/>
+              <a:sym typeface="Montserrat"/>
+            </a:endParaRPr>
+          </a:p>
+        </p:txBody>
+      </p:sp>
+      <p:pic>
+        <p:nvPicPr>
+          <p:cNvPr id="395" name="Shape 395" descr="isotipo codeacademy.png"/>
+          <p:cNvPicPr preferRelativeResize="0"/>
+          <p:nvPr/>
+        </p:nvPicPr>
+        <p:blipFill rotWithShape="1">
+          <a:blip r:embed="rId3">
+            <a:alphaModFix/>
+          </a:blip>
+          <a:srcRect/>
+          <a:stretch/>
+        </p:blipFill>
+        <p:spPr>
+          <a:xfrm>
+            <a:off x="131781" y="126082"/>
+            <a:ext cx="548100" cy="548100"/>
+          </a:xfrm>
+          <a:prstGeom prst="rect">
+            <a:avLst/>
+          </a:prstGeom>
+          <a:noFill/>
+          <a:ln>
+            <a:noFill/>
+          </a:ln>
+        </p:spPr>
+      </p:pic>
+      <p:sp>
+        <p:nvSpPr>
+          <p:cNvPr id="396" name="Shape 396"/>
+          <p:cNvSpPr txBox="1"/>
+          <p:nvPr/>
+        </p:nvSpPr>
+        <p:spPr>
+          <a:xfrm>
+            <a:off x="1786380" y="2719799"/>
+            <a:ext cx="5236589" cy="646200"/>
+          </a:xfrm>
+          <a:prstGeom prst="rect">
+            <a:avLst/>
+          </a:prstGeom>
+          <a:noFill/>
+          <a:ln>
+            <a:noFill/>
+          </a:ln>
+        </p:spPr>
+        <p:txBody>
+          <a:bodyPr lIns="91425" tIns="45700" rIns="91425" bIns="45700" anchor="t" anchorCtr="0">
+            <a:noAutofit/>
+          </a:bodyPr>
+          <a:lstStyle/>
+          <a:p>
+            <a:pPr marL="0" marR="0" lvl="0" indent="0" algn="ctr" rtl="0">
+              <a:spcBef>
+                <a:spcPts val="0"/>
+              </a:spcBef>
+              <a:buSzPct val="25000"/>
+              <a:buNone/>
+            </a:pPr>
+            <a:r>
+              <a:rPr lang="es-GT" sz="5400" b="0" i="0" u="none" strike="noStrike" cap="none" dirty="0">
+                <a:solidFill>
+                  <a:srgbClr val="F7B600"/>
+                </a:solidFill>
+                <a:latin typeface="Raleway"/>
+                <a:ea typeface="Raleway"/>
+                <a:cs typeface="Raleway"/>
+                <a:sym typeface="Raleway"/>
+              </a:rPr>
+              <a:t>TU TURNO</a:t>
+            </a:r>
+          </a:p>
+        </p:txBody>
+      </p:sp>
+    </p:spTree>
+    <p:extLst>
+      <p:ext uri="{BB962C8B-B14F-4D97-AF65-F5344CB8AC3E}">
+        <p14:creationId xmlns:p14="http://schemas.microsoft.com/office/powerpoint/2010/main" val="854369419"/>
       </p:ext>
     </p:extLst>
   </p:cSld>
